--- a/PPT/软件测试.pptx
+++ b/PPT/软件测试.pptx
@@ -5,19 +5,24 @@
     <p:sldMasterId id="2147483648" r:id="rId1"/>
   </p:sldMasterIdLst>
   <p:notesMasterIdLst>
-    <p:notesMasterId r:id="rId9"/>
+    <p:notesMasterId r:id="rId14"/>
   </p:notesMasterIdLst>
   <p:handoutMasterIdLst>
-    <p:handoutMasterId r:id="rId10"/>
+    <p:handoutMasterId r:id="rId15"/>
   </p:handoutMasterIdLst>
   <p:sldIdLst>
     <p:sldId id="256" r:id="rId2"/>
-    <p:sldId id="358" r:id="rId3"/>
-    <p:sldId id="388" r:id="rId4"/>
+    <p:sldId id="388" r:id="rId3"/>
+    <p:sldId id="358" r:id="rId4"/>
     <p:sldId id="389" r:id="rId5"/>
     <p:sldId id="390" r:id="rId6"/>
     <p:sldId id="391" r:id="rId7"/>
     <p:sldId id="392" r:id="rId8"/>
+    <p:sldId id="393" r:id="rId9"/>
+    <p:sldId id="394" r:id="rId10"/>
+    <p:sldId id="395" r:id="rId11"/>
+    <p:sldId id="396" r:id="rId12"/>
+    <p:sldId id="397" r:id="rId13"/>
   </p:sldIdLst>
   <p:sldSz cx="9144000" cy="5143500" type="screen16x9"/>
   <p:notesSz cx="6858000" cy="9144000"/>
@@ -122,12 +127,17 @@
         <p14:section name="默认节" id="{2447BEC2-018D-4D78-8C53-A02C11952990}">
           <p14:sldIdLst>
             <p14:sldId id="256"/>
+            <p14:sldId id="388"/>
             <p14:sldId id="358"/>
-            <p14:sldId id="388"/>
             <p14:sldId id="389"/>
             <p14:sldId id="390"/>
             <p14:sldId id="391"/>
             <p14:sldId id="392"/>
+            <p14:sldId id="393"/>
+            <p14:sldId id="394"/>
+            <p14:sldId id="395"/>
+            <p14:sldId id="396"/>
+            <p14:sldId id="397"/>
           </p14:sldIdLst>
         </p14:section>
       </p14:sectionLst>
@@ -232,7 +242,7 @@
           <a:p>
             <a:fld id="{0F9B84EA-7D68-4D60-9CB1-D50884785D1C}" type="datetimeFigureOut">
               <a:rPr lang="zh-CN" altLang="en-US" smtClean="0"/>
-              <a:t>2020/3/27</a:t>
+              <a:t>2020/5/21</a:t>
             </a:fld>
             <a:endParaRPr lang="zh-CN" altLang="en-US"/>
           </a:p>
@@ -392,7 +402,7 @@
           <a:p>
             <a:fld id="{D2A48B96-639E-45A3-A0BA-2464DFDB1FAA}" type="datetimeFigureOut">
               <a:rPr lang="zh-CN" altLang="en-US" smtClean="0"/>
-              <a:t>2020/3/27</a:t>
+              <a:t>2020/5/21</a:t>
             </a:fld>
             <a:endParaRPr lang="zh-CN" altLang="en-US"/>
           </a:p>
@@ -733,6 +743,258 @@
 </p:notes>
 </file>
 
+<file path=ppt/notesSlides/notesSlide10.xml><?xml version="1.0" encoding="utf-8"?>
+<p:notes xmlns:a="http://schemas.openxmlformats.org/drawingml/2006/main" xmlns:r="http://schemas.openxmlformats.org/officeDocument/2006/relationships" xmlns:p="http://schemas.openxmlformats.org/presentationml/2006/main">
+  <p:cSld>
+    <p:spTree>
+      <p:nvGrpSpPr>
+        <p:cNvPr id="1" name=""/>
+        <p:cNvGrpSpPr/>
+        <p:nvPr/>
+      </p:nvGrpSpPr>
+      <p:grpSpPr>
+        <a:xfrm>
+          <a:off x="0" y="0"/>
+          <a:ext cx="0" cy="0"/>
+          <a:chOff x="0" y="0"/>
+          <a:chExt cx="0" cy="0"/>
+        </a:xfrm>
+      </p:grpSpPr>
+      <p:sp>
+        <p:nvSpPr>
+          <p:cNvPr id="2" name="幻灯片图像占位符 1"/>
+          <p:cNvSpPr>
+            <a:spLocks noGrp="1" noRot="1" noChangeAspect="1"/>
+          </p:cNvSpPr>
+          <p:nvPr>
+            <p:ph type="sldImg"/>
+          </p:nvPr>
+        </p:nvSpPr>
+        <p:spPr/>
+      </p:sp>
+      <p:sp>
+        <p:nvSpPr>
+          <p:cNvPr id="3" name="备注占位符 2"/>
+          <p:cNvSpPr>
+            <a:spLocks noGrp="1"/>
+          </p:cNvSpPr>
+          <p:nvPr>
+            <p:ph type="body" idx="1"/>
+          </p:nvPr>
+        </p:nvSpPr>
+        <p:spPr/>
+        <p:txBody>
+          <a:bodyPr/>
+          <a:lstStyle/>
+          <a:p>
+            <a:endParaRPr lang="zh-CN" altLang="en-US"/>
+          </a:p>
+        </p:txBody>
+      </p:sp>
+      <p:sp>
+        <p:nvSpPr>
+          <p:cNvPr id="4" name="灯片编号占位符 3"/>
+          <p:cNvSpPr>
+            <a:spLocks noGrp="1"/>
+          </p:cNvSpPr>
+          <p:nvPr>
+            <p:ph type="sldNum" sz="quarter" idx="10"/>
+          </p:nvPr>
+        </p:nvSpPr>
+        <p:spPr/>
+        <p:txBody>
+          <a:bodyPr/>
+          <a:lstStyle/>
+          <a:p>
+            <a:fld id="{A6837353-30EB-4A48-80EB-173D804AEFBD}" type="slidenum">
+              <a:rPr lang="zh-CN" altLang="en-US" smtClean="0"/>
+              <a:t>10</a:t>
+            </a:fld>
+            <a:endParaRPr lang="zh-CN" altLang="en-US"/>
+          </a:p>
+        </p:txBody>
+      </p:sp>
+    </p:spTree>
+    <p:extLst>
+      <p:ext uri="{BB962C8B-B14F-4D97-AF65-F5344CB8AC3E}">
+        <p14:creationId xmlns:p14="http://schemas.microsoft.com/office/powerpoint/2010/main" val="2648375301"/>
+      </p:ext>
+    </p:extLst>
+  </p:cSld>
+  <p:clrMapOvr>
+    <a:masterClrMapping/>
+  </p:clrMapOvr>
+</p:notes>
+</file>
+
+<file path=ppt/notesSlides/notesSlide11.xml><?xml version="1.0" encoding="utf-8"?>
+<p:notes xmlns:a="http://schemas.openxmlformats.org/drawingml/2006/main" xmlns:r="http://schemas.openxmlformats.org/officeDocument/2006/relationships" xmlns:p="http://schemas.openxmlformats.org/presentationml/2006/main">
+  <p:cSld>
+    <p:spTree>
+      <p:nvGrpSpPr>
+        <p:cNvPr id="1" name=""/>
+        <p:cNvGrpSpPr/>
+        <p:nvPr/>
+      </p:nvGrpSpPr>
+      <p:grpSpPr>
+        <a:xfrm>
+          <a:off x="0" y="0"/>
+          <a:ext cx="0" cy="0"/>
+          <a:chOff x="0" y="0"/>
+          <a:chExt cx="0" cy="0"/>
+        </a:xfrm>
+      </p:grpSpPr>
+      <p:sp>
+        <p:nvSpPr>
+          <p:cNvPr id="2" name="幻灯片图像占位符 1"/>
+          <p:cNvSpPr>
+            <a:spLocks noGrp="1" noRot="1" noChangeAspect="1"/>
+          </p:cNvSpPr>
+          <p:nvPr>
+            <p:ph type="sldImg"/>
+          </p:nvPr>
+        </p:nvSpPr>
+        <p:spPr/>
+      </p:sp>
+      <p:sp>
+        <p:nvSpPr>
+          <p:cNvPr id="3" name="备注占位符 2"/>
+          <p:cNvSpPr>
+            <a:spLocks noGrp="1"/>
+          </p:cNvSpPr>
+          <p:nvPr>
+            <p:ph type="body" idx="1"/>
+          </p:nvPr>
+        </p:nvSpPr>
+        <p:spPr/>
+        <p:txBody>
+          <a:bodyPr/>
+          <a:lstStyle/>
+          <a:p>
+            <a:endParaRPr lang="zh-CN" altLang="en-US"/>
+          </a:p>
+        </p:txBody>
+      </p:sp>
+      <p:sp>
+        <p:nvSpPr>
+          <p:cNvPr id="4" name="灯片编号占位符 3"/>
+          <p:cNvSpPr>
+            <a:spLocks noGrp="1"/>
+          </p:cNvSpPr>
+          <p:nvPr>
+            <p:ph type="sldNum" sz="quarter" idx="10"/>
+          </p:nvPr>
+        </p:nvSpPr>
+        <p:spPr/>
+        <p:txBody>
+          <a:bodyPr/>
+          <a:lstStyle/>
+          <a:p>
+            <a:fld id="{A6837353-30EB-4A48-80EB-173D804AEFBD}" type="slidenum">
+              <a:rPr lang="zh-CN" altLang="en-US" smtClean="0"/>
+              <a:t>11</a:t>
+            </a:fld>
+            <a:endParaRPr lang="zh-CN" altLang="en-US"/>
+          </a:p>
+        </p:txBody>
+      </p:sp>
+    </p:spTree>
+    <p:extLst>
+      <p:ext uri="{BB962C8B-B14F-4D97-AF65-F5344CB8AC3E}">
+        <p14:creationId xmlns:p14="http://schemas.microsoft.com/office/powerpoint/2010/main" val="217426656"/>
+      </p:ext>
+    </p:extLst>
+  </p:cSld>
+  <p:clrMapOvr>
+    <a:masterClrMapping/>
+  </p:clrMapOvr>
+</p:notes>
+</file>
+
+<file path=ppt/notesSlides/notesSlide12.xml><?xml version="1.0" encoding="utf-8"?>
+<p:notes xmlns:a="http://schemas.openxmlformats.org/drawingml/2006/main" xmlns:r="http://schemas.openxmlformats.org/officeDocument/2006/relationships" xmlns:p="http://schemas.openxmlformats.org/presentationml/2006/main">
+  <p:cSld>
+    <p:spTree>
+      <p:nvGrpSpPr>
+        <p:cNvPr id="1" name=""/>
+        <p:cNvGrpSpPr/>
+        <p:nvPr/>
+      </p:nvGrpSpPr>
+      <p:grpSpPr>
+        <a:xfrm>
+          <a:off x="0" y="0"/>
+          <a:ext cx="0" cy="0"/>
+          <a:chOff x="0" y="0"/>
+          <a:chExt cx="0" cy="0"/>
+        </a:xfrm>
+      </p:grpSpPr>
+      <p:sp>
+        <p:nvSpPr>
+          <p:cNvPr id="2" name="幻灯片图像占位符 1"/>
+          <p:cNvSpPr>
+            <a:spLocks noGrp="1" noRot="1" noChangeAspect="1"/>
+          </p:cNvSpPr>
+          <p:nvPr>
+            <p:ph type="sldImg"/>
+          </p:nvPr>
+        </p:nvSpPr>
+        <p:spPr/>
+      </p:sp>
+      <p:sp>
+        <p:nvSpPr>
+          <p:cNvPr id="3" name="备注占位符 2"/>
+          <p:cNvSpPr>
+            <a:spLocks noGrp="1"/>
+          </p:cNvSpPr>
+          <p:nvPr>
+            <p:ph type="body" idx="1"/>
+          </p:nvPr>
+        </p:nvSpPr>
+        <p:spPr/>
+        <p:txBody>
+          <a:bodyPr/>
+          <a:lstStyle/>
+          <a:p>
+            <a:endParaRPr lang="zh-CN" altLang="en-US"/>
+          </a:p>
+        </p:txBody>
+      </p:sp>
+      <p:sp>
+        <p:nvSpPr>
+          <p:cNvPr id="4" name="灯片编号占位符 3"/>
+          <p:cNvSpPr>
+            <a:spLocks noGrp="1"/>
+          </p:cNvSpPr>
+          <p:nvPr>
+            <p:ph type="sldNum" sz="quarter" idx="10"/>
+          </p:nvPr>
+        </p:nvSpPr>
+        <p:spPr/>
+        <p:txBody>
+          <a:bodyPr/>
+          <a:lstStyle/>
+          <a:p>
+            <a:fld id="{A6837353-30EB-4A48-80EB-173D804AEFBD}" type="slidenum">
+              <a:rPr lang="zh-CN" altLang="en-US" smtClean="0"/>
+              <a:t>12</a:t>
+            </a:fld>
+            <a:endParaRPr lang="zh-CN" altLang="en-US"/>
+          </a:p>
+        </p:txBody>
+      </p:sp>
+    </p:spTree>
+    <p:extLst>
+      <p:ext uri="{BB962C8B-B14F-4D97-AF65-F5344CB8AC3E}">
+        <p14:creationId xmlns:p14="http://schemas.microsoft.com/office/powerpoint/2010/main" val="1133980493"/>
+      </p:ext>
+    </p:extLst>
+  </p:cSld>
+  <p:clrMapOvr>
+    <a:masterClrMapping/>
+  </p:clrMapOvr>
+</p:notes>
+</file>
+
 <file path=ppt/notesSlides/notesSlide2.xml><?xml version="1.0" encoding="utf-8"?>
 <p:notes xmlns:a="http://schemas.openxmlformats.org/drawingml/2006/main" xmlns:r="http://schemas.openxmlformats.org/officeDocument/2006/relationships" xmlns:p="http://schemas.openxmlformats.org/presentationml/2006/main">
   <p:cSld>
@@ -805,6 +1067,11 @@
         </p:txBody>
       </p:sp>
     </p:spTree>
+    <p:extLst>
+      <p:ext uri="{BB962C8B-B14F-4D97-AF65-F5344CB8AC3E}">
+        <p14:creationId xmlns:p14="http://schemas.microsoft.com/office/powerpoint/2010/main" val="893064980"/>
+      </p:ext>
+    </p:extLst>
   </p:cSld>
   <p:clrMapOvr>
     <a:masterClrMapping/>
@@ -884,11 +1151,6 @@
         </p:txBody>
       </p:sp>
     </p:spTree>
-    <p:extLst>
-      <p:ext uri="{BB962C8B-B14F-4D97-AF65-F5344CB8AC3E}">
-        <p14:creationId xmlns:p14="http://schemas.microsoft.com/office/powerpoint/2010/main" val="893064980"/>
-      </p:ext>
-    </p:extLst>
   </p:cSld>
   <p:clrMapOvr>
     <a:masterClrMapping/>
@@ -1232,6 +1494,174 @@
 </p:notes>
 </file>
 
+<file path=ppt/notesSlides/notesSlide8.xml><?xml version="1.0" encoding="utf-8"?>
+<p:notes xmlns:a="http://schemas.openxmlformats.org/drawingml/2006/main" xmlns:r="http://schemas.openxmlformats.org/officeDocument/2006/relationships" xmlns:p="http://schemas.openxmlformats.org/presentationml/2006/main">
+  <p:cSld>
+    <p:spTree>
+      <p:nvGrpSpPr>
+        <p:cNvPr id="1" name=""/>
+        <p:cNvGrpSpPr/>
+        <p:nvPr/>
+      </p:nvGrpSpPr>
+      <p:grpSpPr>
+        <a:xfrm>
+          <a:off x="0" y="0"/>
+          <a:ext cx="0" cy="0"/>
+          <a:chOff x="0" y="0"/>
+          <a:chExt cx="0" cy="0"/>
+        </a:xfrm>
+      </p:grpSpPr>
+      <p:sp>
+        <p:nvSpPr>
+          <p:cNvPr id="2" name="幻灯片图像占位符 1"/>
+          <p:cNvSpPr>
+            <a:spLocks noGrp="1" noRot="1" noChangeAspect="1"/>
+          </p:cNvSpPr>
+          <p:nvPr>
+            <p:ph type="sldImg"/>
+          </p:nvPr>
+        </p:nvSpPr>
+        <p:spPr/>
+      </p:sp>
+      <p:sp>
+        <p:nvSpPr>
+          <p:cNvPr id="3" name="备注占位符 2"/>
+          <p:cNvSpPr>
+            <a:spLocks noGrp="1"/>
+          </p:cNvSpPr>
+          <p:nvPr>
+            <p:ph type="body" idx="1"/>
+          </p:nvPr>
+        </p:nvSpPr>
+        <p:spPr/>
+        <p:txBody>
+          <a:bodyPr/>
+          <a:lstStyle/>
+          <a:p>
+            <a:endParaRPr lang="zh-CN" altLang="en-US"/>
+          </a:p>
+        </p:txBody>
+      </p:sp>
+      <p:sp>
+        <p:nvSpPr>
+          <p:cNvPr id="4" name="灯片编号占位符 3"/>
+          <p:cNvSpPr>
+            <a:spLocks noGrp="1"/>
+          </p:cNvSpPr>
+          <p:nvPr>
+            <p:ph type="sldNum" sz="quarter" idx="10"/>
+          </p:nvPr>
+        </p:nvSpPr>
+        <p:spPr/>
+        <p:txBody>
+          <a:bodyPr/>
+          <a:lstStyle/>
+          <a:p>
+            <a:fld id="{A6837353-30EB-4A48-80EB-173D804AEFBD}" type="slidenum">
+              <a:rPr lang="zh-CN" altLang="en-US" smtClean="0"/>
+              <a:t>8</a:t>
+            </a:fld>
+            <a:endParaRPr lang="zh-CN" altLang="en-US"/>
+          </a:p>
+        </p:txBody>
+      </p:sp>
+    </p:spTree>
+    <p:extLst>
+      <p:ext uri="{BB962C8B-B14F-4D97-AF65-F5344CB8AC3E}">
+        <p14:creationId xmlns:p14="http://schemas.microsoft.com/office/powerpoint/2010/main" val="1873546669"/>
+      </p:ext>
+    </p:extLst>
+  </p:cSld>
+  <p:clrMapOvr>
+    <a:masterClrMapping/>
+  </p:clrMapOvr>
+</p:notes>
+</file>
+
+<file path=ppt/notesSlides/notesSlide9.xml><?xml version="1.0" encoding="utf-8"?>
+<p:notes xmlns:a="http://schemas.openxmlformats.org/drawingml/2006/main" xmlns:r="http://schemas.openxmlformats.org/officeDocument/2006/relationships" xmlns:p="http://schemas.openxmlformats.org/presentationml/2006/main">
+  <p:cSld>
+    <p:spTree>
+      <p:nvGrpSpPr>
+        <p:cNvPr id="1" name=""/>
+        <p:cNvGrpSpPr/>
+        <p:nvPr/>
+      </p:nvGrpSpPr>
+      <p:grpSpPr>
+        <a:xfrm>
+          <a:off x="0" y="0"/>
+          <a:ext cx="0" cy="0"/>
+          <a:chOff x="0" y="0"/>
+          <a:chExt cx="0" cy="0"/>
+        </a:xfrm>
+      </p:grpSpPr>
+      <p:sp>
+        <p:nvSpPr>
+          <p:cNvPr id="2" name="幻灯片图像占位符 1"/>
+          <p:cNvSpPr>
+            <a:spLocks noGrp="1" noRot="1" noChangeAspect="1"/>
+          </p:cNvSpPr>
+          <p:nvPr>
+            <p:ph type="sldImg"/>
+          </p:nvPr>
+        </p:nvSpPr>
+        <p:spPr/>
+      </p:sp>
+      <p:sp>
+        <p:nvSpPr>
+          <p:cNvPr id="3" name="备注占位符 2"/>
+          <p:cNvSpPr>
+            <a:spLocks noGrp="1"/>
+          </p:cNvSpPr>
+          <p:nvPr>
+            <p:ph type="body" idx="1"/>
+          </p:nvPr>
+        </p:nvSpPr>
+        <p:spPr/>
+        <p:txBody>
+          <a:bodyPr/>
+          <a:lstStyle/>
+          <a:p>
+            <a:endParaRPr lang="zh-CN" altLang="en-US"/>
+          </a:p>
+        </p:txBody>
+      </p:sp>
+      <p:sp>
+        <p:nvSpPr>
+          <p:cNvPr id="4" name="灯片编号占位符 3"/>
+          <p:cNvSpPr>
+            <a:spLocks noGrp="1"/>
+          </p:cNvSpPr>
+          <p:nvPr>
+            <p:ph type="sldNum" sz="quarter" idx="10"/>
+          </p:nvPr>
+        </p:nvSpPr>
+        <p:spPr/>
+        <p:txBody>
+          <a:bodyPr/>
+          <a:lstStyle/>
+          <a:p>
+            <a:fld id="{A6837353-30EB-4A48-80EB-173D804AEFBD}" type="slidenum">
+              <a:rPr lang="zh-CN" altLang="en-US" smtClean="0"/>
+              <a:t>9</a:t>
+            </a:fld>
+            <a:endParaRPr lang="zh-CN" altLang="en-US"/>
+          </a:p>
+        </p:txBody>
+      </p:sp>
+    </p:spTree>
+    <p:extLst>
+      <p:ext uri="{BB962C8B-B14F-4D97-AF65-F5344CB8AC3E}">
+        <p14:creationId xmlns:p14="http://schemas.microsoft.com/office/powerpoint/2010/main" val="887513335"/>
+      </p:ext>
+    </p:extLst>
+  </p:cSld>
+  <p:clrMapOvr>
+    <a:masterClrMapping/>
+  </p:clrMapOvr>
+</p:notes>
+</file>
+
 <file path=ppt/slideLayouts/slideLayout1.xml><?xml version="1.0" encoding="utf-8"?>
 <p:sldLayout xmlns:a="http://schemas.openxmlformats.org/drawingml/2006/main" xmlns:r="http://schemas.openxmlformats.org/officeDocument/2006/relationships" xmlns:p="http://schemas.openxmlformats.org/presentationml/2006/main" type="title" preserve="1">
   <p:cSld name="标题幻灯片">
@@ -1361,7 +1791,7 @@
           <a:p>
             <a:fld id="{82F288E0-7875-42C4-84C8-98DBBD3BF4D2}" type="datetimeFigureOut">
               <a:rPr lang="zh-CN" altLang="en-US" smtClean="0"/>
-              <a:t>2020/3/27</a:t>
+              <a:t>2020/5/21</a:t>
             </a:fld>
             <a:endParaRPr lang="zh-CN" altLang="en-US"/>
           </a:p>
@@ -1507,7 +1937,7 @@
           <a:p>
             <a:fld id="{82F288E0-7875-42C4-84C8-98DBBD3BF4D2}" type="datetimeFigureOut">
               <a:rPr lang="zh-CN" altLang="en-US" smtClean="0"/>
-              <a:t>2020/3/27</a:t>
+              <a:t>2020/5/21</a:t>
             </a:fld>
             <a:endParaRPr lang="zh-CN" altLang="en-US"/>
           </a:p>
@@ -1670,7 +2100,7 @@
           <a:p>
             <a:fld id="{ADD1E814-FE30-446C-9D52-91C2A97CF3DB}" type="datetimeFigureOut">
               <a:rPr lang="zh-CN" altLang="en-US" smtClean="0"/>
-              <a:t>2020/3/27</a:t>
+              <a:t>2020/5/21</a:t>
             </a:fld>
             <a:endParaRPr lang="zh-CN" altLang="en-US"/>
           </a:p>
@@ -1949,7 +2379,7 @@
           <a:p>
             <a:fld id="{82F288E0-7875-42C4-84C8-98DBBD3BF4D2}" type="datetimeFigureOut">
               <a:rPr lang="zh-CN" altLang="en-US" smtClean="0"/>
-              <a:t>2020/3/27</a:t>
+              <a:t>2020/5/21</a:t>
             </a:fld>
             <a:endParaRPr lang="zh-CN" altLang="en-US"/>
           </a:p>
@@ -2173,7 +2603,7 @@
           <a:p>
             <a:fld id="{82F288E0-7875-42C4-84C8-98DBBD3BF4D2}" type="datetimeFigureOut">
               <a:rPr lang="zh-CN" altLang="en-US" smtClean="0"/>
-              <a:t>2020/3/27</a:t>
+              <a:t>2020/5/21</a:t>
             </a:fld>
             <a:endParaRPr lang="zh-CN" altLang="en-US"/>
           </a:p>
@@ -2532,7 +2962,7 @@
           <a:p>
             <a:fld id="{82F288E0-7875-42C4-84C8-98DBBD3BF4D2}" type="datetimeFigureOut">
               <a:rPr lang="zh-CN" altLang="en-US" smtClean="0"/>
-              <a:t>2020/3/27</a:t>
+              <a:t>2020/5/21</a:t>
             </a:fld>
             <a:endParaRPr lang="zh-CN" altLang="en-US"/>
           </a:p>
@@ -2644,7 +3074,7 @@
           <a:p>
             <a:fld id="{82F288E0-7875-42C4-84C8-98DBBD3BF4D2}" type="datetimeFigureOut">
               <a:rPr lang="zh-CN" altLang="en-US" smtClean="0"/>
-              <a:t>2020/3/27</a:t>
+              <a:t>2020/5/21</a:t>
             </a:fld>
             <a:endParaRPr lang="zh-CN" altLang="en-US"/>
           </a:p>
@@ -2734,7 +3164,7 @@
           <a:p>
             <a:fld id="{82F288E0-7875-42C4-84C8-98DBBD3BF4D2}" type="datetimeFigureOut">
               <a:rPr lang="zh-CN" altLang="en-US" smtClean="0"/>
-              <a:t>2020/3/27</a:t>
+              <a:t>2020/5/21</a:t>
             </a:fld>
             <a:endParaRPr lang="zh-CN" altLang="en-US"/>
           </a:p>
@@ -2981,7 +3411,7 @@
           <a:p>
             <a:fld id="{82F288E0-7875-42C4-84C8-98DBBD3BF4D2}" type="datetimeFigureOut">
               <a:rPr lang="zh-CN" altLang="en-US" smtClean="0"/>
-              <a:t>2020/3/27</a:t>
+              <a:t>2020/5/21</a:t>
             </a:fld>
             <a:endParaRPr lang="zh-CN" altLang="en-US"/>
           </a:p>
@@ -3154,7 +3584,7 @@
           <a:p>
             <a:fld id="{82F288E0-7875-42C4-84C8-98DBBD3BF4D2}" type="datetimeFigureOut">
               <a:rPr lang="zh-CN" altLang="en-US" smtClean="0"/>
-              <a:t>2020/3/27</a:t>
+              <a:t>2020/5/21</a:t>
             </a:fld>
             <a:endParaRPr lang="zh-CN" altLang="en-US"/>
           </a:p>
@@ -3365,7 +3795,7 @@
           <a:p>
             <a:fld id="{82F288E0-7875-42C4-84C8-98DBBD3BF4D2}" type="datetimeFigureOut">
               <a:rPr lang="zh-CN" altLang="en-US" smtClean="0"/>
-              <a:t>2020/3/27</a:t>
+              <a:t>2020/5/21</a:t>
             </a:fld>
             <a:endParaRPr lang="zh-CN" altLang="en-US"/>
           </a:p>
@@ -3803,7 +4233,7 @@
           <a:p>
             <a:pPr algn="ctr"/>
             <a:r>
-              <a:rPr lang="en-US" altLang="zh-CN" sz="4200" b="1" dirty="0" smtClean="0">
+              <a:rPr lang="en-US" altLang="zh-CN" sz="4200" b="1" dirty="0">
                 <a:solidFill>
                   <a:srgbClr val="1B4367"/>
                 </a:solidFill>
@@ -3812,7 +4242,7 @@
               </a:rPr>
               <a:t>Daemon</a:t>
             </a:r>
-            <a:endParaRPr lang="zh-CN" altLang="en-US" sz="4200" b="1" dirty="0" smtClean="0">
+            <a:endParaRPr lang="zh-CN" altLang="en-US" sz="4200" b="1" dirty="0">
               <a:solidFill>
                 <a:srgbClr val="1B4367"/>
               </a:solidFill>
@@ -3851,7 +4281,7 @@
           <a:p>
             <a:pPr lvl="0" eaLnBrk="0" hangingPunct="0"/>
             <a:r>
-              <a:rPr lang="zh-CN" altLang="en-US" sz="1200" dirty="0" smtClean="0">
+              <a:rPr lang="zh-CN" altLang="en-US" sz="1200" dirty="0">
                 <a:solidFill>
                   <a:schemeClr val="tx1">
                     <a:lumMod val="75000"/>
@@ -3863,7 +4293,7 @@
               </a:rPr>
               <a:t>成员：张愉飞、徐维彦、孙增奎</a:t>
             </a:r>
-            <a:endParaRPr lang="en-US" altLang="zh-CN" sz="1200" dirty="0" smtClean="0">
+            <a:endParaRPr lang="en-US" altLang="zh-CN" sz="1200" dirty="0">
               <a:solidFill>
                 <a:schemeClr val="tx1">
                   <a:lumMod val="75000"/>
@@ -3876,7 +4306,7 @@
           </a:p>
           <a:p>
             <a:pPr lvl="0" eaLnBrk="0" hangingPunct="0"/>
-            <a:endParaRPr lang="en-US" altLang="zh-CN" sz="1200" dirty="0" smtClean="0">
+            <a:endParaRPr lang="en-US" altLang="zh-CN" sz="1200" dirty="0">
               <a:solidFill>
                 <a:schemeClr val="tx1">
                   <a:lumMod val="75000"/>
@@ -3890,7 +4320,7 @@
           <a:p>
             <a:pPr lvl="0" eaLnBrk="0" hangingPunct="0"/>
             <a:r>
-              <a:rPr lang="zh-CN" altLang="en-US" sz="1200" dirty="0" smtClean="0">
+              <a:rPr lang="zh-CN" altLang="en-US" sz="1200" dirty="0">
                 <a:solidFill>
                   <a:schemeClr val="tx1">
                     <a:lumMod val="75000"/>
@@ -3902,7 +4332,7 @@
               </a:rPr>
               <a:t>主讲人：徐维彦</a:t>
             </a:r>
-            <a:endParaRPr lang="en-US" altLang="zh-CN" sz="1200" dirty="0" smtClean="0">
+            <a:endParaRPr lang="en-US" altLang="zh-CN" sz="1200" dirty="0">
               <a:solidFill>
                 <a:schemeClr val="tx1">
                   <a:lumMod val="75000"/>
@@ -3916,7 +4346,7 @@
           <a:p>
             <a:pPr lvl="0" eaLnBrk="0" hangingPunct="0"/>
             <a:r>
-              <a:rPr lang="zh-CN" altLang="en-US" sz="1200" dirty="0" smtClean="0">
+              <a:rPr lang="zh-CN" altLang="en-US" sz="1200" dirty="0">
                 <a:solidFill>
                   <a:schemeClr val="tx1">
                     <a:lumMod val="75000"/>
@@ -3942,19 +4372,6 @@
           <a:p>
             <a:pPr lvl="0" eaLnBrk="0" hangingPunct="0"/>
             <a:r>
-              <a:rPr lang="zh-CN" altLang="en-US" sz="1200" dirty="0" smtClean="0">
-                <a:solidFill>
-                  <a:schemeClr val="tx1">
-                    <a:lumMod val="75000"/>
-                    <a:lumOff val="25000"/>
-                  </a:schemeClr>
-                </a:solidFill>
-                <a:cs typeface="+mn-ea"/>
-                <a:sym typeface="+mn-lt"/>
-              </a:rPr>
-              <a:t>汇报</a:t>
-            </a:r>
-            <a:r>
               <a:rPr lang="zh-CN" altLang="en-US" sz="1200" dirty="0">
                 <a:solidFill>
                   <a:schemeClr val="tx1">
@@ -3965,7 +4382,7 @@
                 <a:cs typeface="+mn-ea"/>
                 <a:sym typeface="+mn-lt"/>
               </a:rPr>
-              <a:t>时间：</a:t>
+              <a:t>汇报时间：</a:t>
             </a:r>
             <a:r>
               <a:rPr lang="en-US" altLang="zh-CN" sz="1200" dirty="0">
@@ -3981,7 +4398,7 @@
               <a:t>2020</a:t>
             </a:r>
             <a:r>
-              <a:rPr lang="zh-CN" altLang="en-US" sz="1200" dirty="0" smtClean="0">
+              <a:rPr lang="zh-CN" altLang="en-US" sz="1200" dirty="0">
                 <a:solidFill>
                   <a:schemeClr val="tx1">
                     <a:lumMod val="75000"/>
@@ -3994,7 +4411,7 @@
               <a:t>年</a:t>
             </a:r>
             <a:r>
-              <a:rPr lang="en-US" altLang="zh-CN" sz="1200" dirty="0" smtClean="0">
+              <a:rPr lang="en-US" altLang="zh-CN" sz="1200" dirty="0">
                 <a:solidFill>
                   <a:schemeClr val="tx1">
                     <a:lumMod val="75000"/>
@@ -4007,7 +4424,7 @@
               <a:t>03</a:t>
             </a:r>
             <a:r>
-              <a:rPr lang="zh-CN" altLang="en-US" sz="1200" dirty="0" smtClean="0">
+              <a:rPr lang="zh-CN" altLang="en-US" sz="1200" dirty="0">
                 <a:solidFill>
                   <a:schemeClr val="tx1">
                     <a:lumMod val="75000"/>
@@ -4020,7 +4437,7 @@
               <a:t>月</a:t>
             </a:r>
             <a:r>
-              <a:rPr lang="en-US" altLang="zh-CN" sz="1200" dirty="0" smtClean="0">
+              <a:rPr lang="en-US" altLang="zh-CN" sz="1200" dirty="0">
                 <a:solidFill>
                   <a:schemeClr val="tx1">
                     <a:lumMod val="75000"/>
@@ -4033,7 +4450,7 @@
               <a:t>27</a:t>
             </a:r>
             <a:r>
-              <a:rPr lang="zh-CN" altLang="en-US" sz="1200" dirty="0" smtClean="0">
+              <a:rPr lang="zh-CN" altLang="en-US" sz="1200" dirty="0">
                 <a:solidFill>
                   <a:schemeClr val="tx1">
                     <a:lumMod val="75000"/>
@@ -4045,16 +4462,6 @@
               </a:rPr>
               <a:t>日</a:t>
             </a:r>
-            <a:endParaRPr lang="zh-CN" altLang="en-US" sz="1200" dirty="0" smtClean="0">
-              <a:solidFill>
-                <a:schemeClr val="tx1">
-                  <a:lumMod val="75000"/>
-                  <a:lumOff val="25000"/>
-                </a:schemeClr>
-              </a:solidFill>
-              <a:cs typeface="+mn-ea"/>
-              <a:sym typeface="+mn-lt"/>
-            </a:endParaRPr>
           </a:p>
         </p:txBody>
       </p:sp>
@@ -4082,7 +4489,7 @@
           <a:p>
             <a:pPr lvl="0" eaLnBrk="0" hangingPunct="0"/>
             <a:r>
-              <a:rPr lang="en-US" altLang="zh-CN" sz="1450" dirty="0" smtClean="0">
+              <a:rPr lang="en-US" altLang="zh-CN" sz="1450" dirty="0">
                 <a:solidFill>
                   <a:srgbClr val="1B4367"/>
                 </a:solidFill>
@@ -4092,7 +4499,7 @@
               <a:t>			</a:t>
             </a:r>
             <a:r>
-              <a:rPr lang="zh-CN" altLang="en-US" sz="1450" dirty="0" smtClean="0">
+              <a:rPr lang="zh-CN" altLang="en-US" sz="1450" dirty="0">
                 <a:solidFill>
                   <a:srgbClr val="1B4367"/>
                 </a:solidFill>
@@ -4137,27 +4544,17 @@
           <a:p>
             <a:pPr algn="ctr"/>
             <a:r>
-              <a:rPr lang="en-US" altLang="zh-CN" sz="1200" dirty="0" smtClean="0">
+              <a:rPr lang="en-US" altLang="zh-CN" sz="1200" dirty="0">
                 <a:solidFill>
                   <a:schemeClr val="bg1"/>
                 </a:solidFill>
                 <a:cs typeface="+mn-ea"/>
                 <a:sym typeface="+mn-lt"/>
               </a:rPr>
-              <a:t>——Watermelon Online </a:t>
+              <a:t>——Watermelon Online Judge</a:t>
             </a:r>
             <a:r>
-              <a:rPr lang="en-US" altLang="zh-CN" sz="1200" dirty="0" smtClean="0">
-                <a:solidFill>
-                  <a:schemeClr val="bg1"/>
-                </a:solidFill>
-                <a:cs typeface="+mn-ea"/>
-                <a:sym typeface="+mn-lt"/>
-              </a:rPr>
-              <a:t>Judge</a:t>
-            </a:r>
-            <a:r>
-              <a:rPr lang="zh-CN" altLang="en-US" sz="1200" dirty="0" smtClean="0">
+              <a:rPr lang="zh-CN" altLang="en-US" sz="1200" dirty="0">
                 <a:solidFill>
                   <a:schemeClr val="bg1"/>
                 </a:solidFill>
@@ -4166,13 +4563,6 @@
               </a:rPr>
               <a:t>测试规划</a:t>
             </a:r>
-            <a:endParaRPr lang="zh-CN" altLang="en-US" sz="1200" dirty="0">
-              <a:solidFill>
-                <a:schemeClr val="bg1"/>
-              </a:solidFill>
-              <a:cs typeface="+mn-ea"/>
-              <a:sym typeface="+mn-lt"/>
-            </a:endParaRPr>
           </a:p>
         </p:txBody>
       </p:sp>
@@ -4663,695 +5053,7 @@
 </p:sld>
 </file>
 
-<file path=ppt/slides/slide2.xml><?xml version="1.0" encoding="utf-8"?>
-<p:sld xmlns:a="http://schemas.openxmlformats.org/drawingml/2006/main" xmlns:r="http://schemas.openxmlformats.org/officeDocument/2006/relationships" xmlns:p="http://schemas.openxmlformats.org/presentationml/2006/main">
-  <p:cSld>
-    <p:spTree>
-      <p:nvGrpSpPr>
-        <p:cNvPr id="1" name=""/>
-        <p:cNvGrpSpPr/>
-        <p:nvPr/>
-      </p:nvGrpSpPr>
-      <p:grpSpPr>
-        <a:xfrm>
-          <a:off x="0" y="0"/>
-          <a:ext cx="0" cy="0"/>
-          <a:chOff x="0" y="0"/>
-          <a:chExt cx="0" cy="0"/>
-        </a:xfrm>
-      </p:grpSpPr>
-      <p:grpSp>
-        <p:nvGrpSpPr>
-          <p:cNvPr id="5" name="组合 4"/>
-          <p:cNvGrpSpPr/>
-          <p:nvPr/>
-        </p:nvGrpSpPr>
-        <p:grpSpPr>
-          <a:xfrm>
-            <a:off x="709386" y="309785"/>
-            <a:ext cx="3573856" cy="347632"/>
-            <a:chOff x="709386" y="309785"/>
-            <a:chExt cx="2261711" cy="347632"/>
-          </a:xfrm>
-        </p:grpSpPr>
-        <p:sp>
-          <p:nvSpPr>
-            <p:cNvPr id="31" name="文本框 15"/>
-            <p:cNvSpPr txBox="1"/>
-            <p:nvPr/>
-          </p:nvSpPr>
-          <p:spPr>
-            <a:xfrm>
-              <a:off x="709386" y="309785"/>
-              <a:ext cx="2261711" cy="329565"/>
-            </a:xfrm>
-            <a:prstGeom prst="rect">
-              <a:avLst/>
-            </a:prstGeom>
-            <a:noFill/>
-          </p:spPr>
-          <p:txBody>
-            <a:bodyPr wrap="square" lIns="68580" tIns="34290" rIns="68580" bIns="34290" rtlCol="0">
-              <a:spAutoFit/>
-            </a:bodyPr>
-            <a:lstStyle/>
-            <a:p>
-              <a:r>
-                <a:rPr lang="en-US" altLang="zh-CN" sz="1700" b="1" dirty="0">
-                  <a:solidFill>
-                    <a:srgbClr val="1B4367"/>
-                  </a:solidFill>
-                  <a:cs typeface="+mn-ea"/>
-                  <a:sym typeface="+mn-lt"/>
-                </a:rPr>
-                <a:t> </a:t>
-              </a:r>
-              <a:r>
-                <a:rPr lang="zh-CN" altLang="en-US" sz="1700" b="1" dirty="0" smtClean="0">
-                  <a:solidFill>
-                    <a:srgbClr val="1B4367"/>
-                  </a:solidFill>
-                  <a:cs typeface="+mn-ea"/>
-                  <a:sym typeface="+mn-lt"/>
-                </a:rPr>
-                <a:t>测试要点分析</a:t>
-              </a:r>
-            </a:p>
-          </p:txBody>
-        </p:sp>
-        <p:cxnSp>
-          <p:nvCxnSpPr>
-            <p:cNvPr id="20" name="直接连接符 19"/>
-            <p:cNvCxnSpPr/>
-            <p:nvPr/>
-          </p:nvCxnSpPr>
-          <p:spPr>
-            <a:xfrm>
-              <a:off x="774478" y="657417"/>
-              <a:ext cx="480259" cy="0"/>
-            </a:xfrm>
-            <a:prstGeom prst="line">
-              <a:avLst/>
-            </a:prstGeom>
-            <a:ln w="9525">
-              <a:solidFill>
-                <a:srgbClr val="1B4367"/>
-              </a:solidFill>
-            </a:ln>
-          </p:spPr>
-          <p:style>
-            <a:lnRef idx="1">
-              <a:schemeClr val="accent1"/>
-            </a:lnRef>
-            <a:fillRef idx="0">
-              <a:schemeClr val="accent1"/>
-            </a:fillRef>
-            <a:effectRef idx="0">
-              <a:schemeClr val="accent1"/>
-            </a:effectRef>
-            <a:fontRef idx="minor">
-              <a:schemeClr val="tx1"/>
-            </a:fontRef>
-          </p:style>
-        </p:cxnSp>
-      </p:grpSp>
-      <p:sp>
-        <p:nvSpPr>
-          <p:cNvPr id="2" name="TextBox 1210"/>
-          <p:cNvSpPr/>
-          <p:nvPr/>
-        </p:nvSpPr>
-        <p:spPr>
-          <a:xfrm>
-            <a:off x="1555798" y="942381"/>
-            <a:ext cx="7588202" cy="3624069"/>
-          </a:xfrm>
-          <a:prstGeom prst="rect">
-            <a:avLst/>
-          </a:prstGeom>
-          <a:noFill/>
-          <a:ln w="9525">
-            <a:noFill/>
-            <a:miter/>
-          </a:ln>
-          <a:extLst>
-            <a:ext uri="{909E8E84-426E-40DD-AFC4-6F175D3DCCD1}">
-              <a14:hiddenFill xmlns:a14="http://schemas.microsoft.com/office/drawing/2010/main">
-                <a:solidFill>
-                  <a:srgbClr val="5CA0B4"/>
-                </a:solidFill>
-              </a14:hiddenFill>
-            </a:ext>
-          </a:extLst>
-        </p:spPr>
-        <p:txBody>
-          <a:bodyPr wrap="square" lIns="68580" tIns="34290" rIns="68580" bIns="34290">
-            <a:spAutoFit/>
-          </a:bodyPr>
-          <a:lstStyle/>
-          <a:p>
-            <a:pPr fontAlgn="base">
-              <a:lnSpc>
-                <a:spcPct val="150000"/>
-              </a:lnSpc>
-              <a:spcBef>
-                <a:spcPct val="0"/>
-              </a:spcBef>
-              <a:spcAft>
-                <a:spcPct val="0"/>
-              </a:spcAft>
-            </a:pPr>
-            <a:r>
-              <a:rPr lang="zh-CN" altLang="en-US" dirty="0" smtClean="0">
-                <a:solidFill>
-                  <a:srgbClr val="1B4367"/>
-                </a:solidFill>
-              </a:rPr>
-              <a:t>用户需求</a:t>
-            </a:r>
-            <a:r>
-              <a:rPr lang="zh-CN" altLang="en-US" dirty="0" smtClean="0">
-                <a:solidFill>
-                  <a:srgbClr val="1B4367"/>
-                </a:solidFill>
-              </a:rPr>
-              <a:t>：用户对某题提交代码</a:t>
-            </a:r>
-            <a:endParaRPr lang="en-US" altLang="zh-CN" dirty="0" smtClean="0">
-              <a:solidFill>
-                <a:srgbClr val="1B4367"/>
-              </a:solidFill>
-            </a:endParaRPr>
-          </a:p>
-          <a:p>
-            <a:pPr fontAlgn="base">
-              <a:lnSpc>
-                <a:spcPct val="150000"/>
-              </a:lnSpc>
-              <a:spcBef>
-                <a:spcPct val="0"/>
-              </a:spcBef>
-              <a:spcAft>
-                <a:spcPct val="0"/>
-              </a:spcAft>
-            </a:pPr>
-            <a:r>
-              <a:rPr lang="en-US" altLang="zh-CN" dirty="0" smtClean="0">
-                <a:solidFill>
-                  <a:srgbClr val="1B4367"/>
-                </a:solidFill>
-              </a:rPr>
-              <a:t>	</a:t>
-            </a:r>
-          </a:p>
-          <a:p>
-            <a:pPr fontAlgn="base">
-              <a:lnSpc>
-                <a:spcPct val="150000"/>
-              </a:lnSpc>
-              <a:spcBef>
-                <a:spcPct val="0"/>
-              </a:spcBef>
-              <a:spcAft>
-                <a:spcPct val="0"/>
-              </a:spcAft>
-            </a:pPr>
-            <a:r>
-              <a:rPr lang="zh-CN" altLang="en-US" dirty="0" smtClean="0">
-                <a:solidFill>
-                  <a:srgbClr val="1B4367"/>
-                </a:solidFill>
-              </a:rPr>
-              <a:t>测试要点：</a:t>
-            </a:r>
-            <a:endParaRPr lang="en-US" altLang="zh-CN" dirty="0" smtClean="0">
-              <a:solidFill>
-                <a:srgbClr val="1B4367"/>
-              </a:solidFill>
-            </a:endParaRPr>
-          </a:p>
-          <a:p>
-            <a:pPr fontAlgn="base">
-              <a:lnSpc>
-                <a:spcPct val="150000"/>
-              </a:lnSpc>
-              <a:spcBef>
-                <a:spcPct val="0"/>
-              </a:spcBef>
-              <a:spcAft>
-                <a:spcPct val="0"/>
-              </a:spcAft>
-            </a:pPr>
-            <a:r>
-              <a:rPr lang="en-US" altLang="zh-CN" dirty="0">
-                <a:solidFill>
-                  <a:srgbClr val="1B4367"/>
-                </a:solidFill>
-              </a:rPr>
-              <a:t>	</a:t>
-            </a:r>
-            <a:r>
-              <a:rPr lang="en-US" altLang="zh-CN" dirty="0" smtClean="0">
-                <a:solidFill>
-                  <a:srgbClr val="1B4367"/>
-                </a:solidFill>
-              </a:rPr>
-              <a:t>	1</a:t>
-            </a:r>
-            <a:r>
-              <a:rPr lang="zh-CN" altLang="en-US" dirty="0" smtClean="0">
-                <a:solidFill>
-                  <a:srgbClr val="1B4367"/>
-                </a:solidFill>
-              </a:rPr>
-              <a:t>、代码编写语言</a:t>
-            </a:r>
-            <a:endParaRPr lang="en-US" altLang="zh-CN" dirty="0" smtClean="0">
-              <a:solidFill>
-                <a:srgbClr val="1B4367"/>
-              </a:solidFill>
-            </a:endParaRPr>
-          </a:p>
-          <a:p>
-            <a:pPr fontAlgn="base">
-              <a:lnSpc>
-                <a:spcPct val="150000"/>
-              </a:lnSpc>
-              <a:spcBef>
-                <a:spcPct val="0"/>
-              </a:spcBef>
-              <a:spcAft>
-                <a:spcPct val="0"/>
-              </a:spcAft>
-            </a:pPr>
-            <a:r>
-              <a:rPr lang="en-US" altLang="zh-CN" dirty="0">
-                <a:solidFill>
-                  <a:srgbClr val="1B4367"/>
-                </a:solidFill>
-              </a:rPr>
-              <a:t>	</a:t>
-            </a:r>
-            <a:r>
-              <a:rPr lang="en-US" altLang="zh-CN" dirty="0" smtClean="0">
-                <a:solidFill>
-                  <a:srgbClr val="1B4367"/>
-                </a:solidFill>
-              </a:rPr>
-              <a:t>	2</a:t>
-            </a:r>
-            <a:r>
-              <a:rPr lang="zh-CN" altLang="en-US" dirty="0" smtClean="0">
-                <a:solidFill>
-                  <a:srgbClr val="1B4367"/>
-                </a:solidFill>
-              </a:rPr>
-              <a:t>、代码编写长度</a:t>
-            </a:r>
-            <a:endParaRPr lang="en-US" altLang="zh-CN" dirty="0" smtClean="0">
-              <a:solidFill>
-                <a:srgbClr val="1B4367"/>
-              </a:solidFill>
-            </a:endParaRPr>
-          </a:p>
-          <a:p>
-            <a:pPr fontAlgn="base">
-              <a:lnSpc>
-                <a:spcPct val="150000"/>
-              </a:lnSpc>
-              <a:spcBef>
-                <a:spcPct val="0"/>
-              </a:spcBef>
-              <a:spcAft>
-                <a:spcPct val="0"/>
-              </a:spcAft>
-            </a:pPr>
-            <a:r>
-              <a:rPr lang="en-US" altLang="zh-CN" dirty="0">
-                <a:solidFill>
-                  <a:srgbClr val="1B4367"/>
-                </a:solidFill>
-              </a:rPr>
-              <a:t>	</a:t>
-            </a:r>
-            <a:r>
-              <a:rPr lang="en-US" altLang="zh-CN" dirty="0" smtClean="0">
-                <a:solidFill>
-                  <a:srgbClr val="1B4367"/>
-                </a:solidFill>
-              </a:rPr>
-              <a:t>	3</a:t>
-            </a:r>
-            <a:r>
-              <a:rPr lang="zh-CN" altLang="en-US" dirty="0" smtClean="0">
-                <a:solidFill>
-                  <a:srgbClr val="1B4367"/>
-                </a:solidFill>
-              </a:rPr>
-              <a:t>、代码重复提交</a:t>
-            </a:r>
-            <a:endParaRPr lang="en-US" altLang="zh-CN" dirty="0" smtClean="0">
-              <a:solidFill>
-                <a:srgbClr val="1B4367"/>
-              </a:solidFill>
-            </a:endParaRPr>
-          </a:p>
-          <a:p>
-            <a:pPr fontAlgn="base">
-              <a:lnSpc>
-                <a:spcPct val="150000"/>
-              </a:lnSpc>
-              <a:spcBef>
-                <a:spcPct val="0"/>
-              </a:spcBef>
-              <a:spcAft>
-                <a:spcPct val="0"/>
-              </a:spcAft>
-            </a:pPr>
-            <a:r>
-              <a:rPr lang="en-US" altLang="zh-CN" dirty="0" smtClean="0">
-                <a:solidFill>
-                  <a:srgbClr val="1B4367"/>
-                </a:solidFill>
-              </a:rPr>
-              <a:t>		4</a:t>
-            </a:r>
-            <a:r>
-              <a:rPr lang="zh-CN" altLang="en-US" dirty="0" smtClean="0">
-                <a:solidFill>
-                  <a:srgbClr val="1B4367"/>
-                </a:solidFill>
-              </a:rPr>
-              <a:t>、恶意代码提交</a:t>
-            </a:r>
-            <a:endParaRPr lang="en-US" altLang="zh-CN" dirty="0" smtClean="0">
-              <a:solidFill>
-                <a:srgbClr val="1B4367"/>
-              </a:solidFill>
-            </a:endParaRPr>
-          </a:p>
-          <a:p>
-            <a:pPr fontAlgn="base">
-              <a:lnSpc>
-                <a:spcPct val="150000"/>
-              </a:lnSpc>
-              <a:spcBef>
-                <a:spcPct val="0"/>
-              </a:spcBef>
-              <a:spcAft>
-                <a:spcPct val="0"/>
-              </a:spcAft>
-            </a:pPr>
-            <a:r>
-              <a:rPr lang="en-US" altLang="zh-CN" dirty="0" smtClean="0">
-                <a:solidFill>
-                  <a:srgbClr val="1B4367"/>
-                </a:solidFill>
-              </a:rPr>
-              <a:t>		5</a:t>
-            </a:r>
-            <a:r>
-              <a:rPr lang="zh-CN" altLang="en-US" dirty="0" smtClean="0">
-                <a:solidFill>
-                  <a:srgbClr val="1B4367"/>
-                </a:solidFill>
-              </a:rPr>
-              <a:t>、代码运行权限限制</a:t>
-            </a:r>
-            <a:endParaRPr lang="en-US" altLang="zh-CN" dirty="0" smtClean="0">
-              <a:solidFill>
-                <a:srgbClr val="1B4367"/>
-              </a:solidFill>
-            </a:endParaRPr>
-          </a:p>
-          <a:p>
-            <a:pPr fontAlgn="base">
-              <a:lnSpc>
-                <a:spcPct val="150000"/>
-              </a:lnSpc>
-              <a:spcBef>
-                <a:spcPct val="0"/>
-              </a:spcBef>
-              <a:spcAft>
-                <a:spcPct val="0"/>
-              </a:spcAft>
-            </a:pPr>
-            <a:r>
-              <a:rPr lang="en-US" altLang="zh-CN" dirty="0">
-                <a:solidFill>
-                  <a:srgbClr val="1B4367"/>
-                </a:solidFill>
-              </a:rPr>
-              <a:t>	</a:t>
-            </a:r>
-            <a:r>
-              <a:rPr lang="en-US" altLang="zh-CN" dirty="0" smtClean="0">
-                <a:solidFill>
-                  <a:srgbClr val="1B4367"/>
-                </a:solidFill>
-              </a:rPr>
-              <a:t>	6</a:t>
-            </a:r>
-            <a:r>
-              <a:rPr lang="zh-CN" altLang="en-US" dirty="0" smtClean="0">
-                <a:solidFill>
-                  <a:srgbClr val="1B4367"/>
-                </a:solidFill>
-              </a:rPr>
-              <a:t>、代码运行时间限制</a:t>
-            </a:r>
-            <a:endParaRPr lang="en-US" altLang="zh-CN" dirty="0" smtClean="0">
-              <a:solidFill>
-                <a:srgbClr val="1B4367"/>
-              </a:solidFill>
-            </a:endParaRPr>
-          </a:p>
-          <a:p>
-            <a:pPr fontAlgn="base">
-              <a:lnSpc>
-                <a:spcPct val="150000"/>
-              </a:lnSpc>
-              <a:spcBef>
-                <a:spcPct val="0"/>
-              </a:spcBef>
-              <a:spcAft>
-                <a:spcPct val="0"/>
-              </a:spcAft>
-            </a:pPr>
-            <a:r>
-              <a:rPr lang="en-US" altLang="zh-CN" dirty="0" smtClean="0">
-                <a:solidFill>
-                  <a:srgbClr val="1B4367"/>
-                </a:solidFill>
-              </a:rPr>
-              <a:t>		7</a:t>
-            </a:r>
-            <a:r>
-              <a:rPr lang="zh-CN" altLang="en-US" dirty="0" smtClean="0">
-                <a:solidFill>
-                  <a:srgbClr val="1B4367"/>
-                </a:solidFill>
-              </a:rPr>
-              <a:t>、代码运行空间限制</a:t>
-            </a:r>
-            <a:endParaRPr lang="en-US" altLang="zh-CN" dirty="0" smtClean="0">
-              <a:solidFill>
-                <a:srgbClr val="1B4367"/>
-              </a:solidFill>
-            </a:endParaRPr>
-          </a:p>
-          <a:p>
-            <a:pPr fontAlgn="base">
-              <a:lnSpc>
-                <a:spcPct val="150000"/>
-              </a:lnSpc>
-              <a:spcBef>
-                <a:spcPct val="0"/>
-              </a:spcBef>
-              <a:spcAft>
-                <a:spcPct val="0"/>
-              </a:spcAft>
-            </a:pPr>
-            <a:r>
-              <a:rPr lang="en-US" altLang="zh-CN" dirty="0" smtClean="0">
-                <a:solidFill>
-                  <a:srgbClr val="1B4367"/>
-                </a:solidFill>
-              </a:rPr>
-              <a:t>		8</a:t>
-            </a:r>
-            <a:r>
-              <a:rPr lang="zh-CN" altLang="en-US" dirty="0" smtClean="0">
-                <a:solidFill>
-                  <a:srgbClr val="1B4367"/>
-                </a:solidFill>
-              </a:rPr>
-              <a:t>、代码提交结果</a:t>
-            </a:r>
-            <a:r>
-              <a:rPr lang="zh-CN" altLang="en-US" dirty="0">
-                <a:solidFill>
-                  <a:srgbClr val="1B4367"/>
-                </a:solidFill>
-              </a:rPr>
-              <a:t>反馈</a:t>
-            </a:r>
-            <a:endParaRPr lang="en-US" altLang="zh-CN" dirty="0" smtClean="0">
-              <a:solidFill>
-                <a:srgbClr val="1B4367"/>
-              </a:solidFill>
-            </a:endParaRPr>
-          </a:p>
-        </p:txBody>
-      </p:sp>
-    </p:spTree>
-  </p:cSld>
-  <p:clrMapOvr>
-    <a:masterClrMapping/>
-  </p:clrMapOvr>
-  <mc:AlternateContent xmlns:mc="http://schemas.openxmlformats.org/markup-compatibility/2006" xmlns:p14="http://schemas.microsoft.com/office/powerpoint/2010/main">
-    <mc:Choice Requires="p14">
-      <p:transition spd="slow" p14:dur="1600" advClick="0">
-        <p14:prism isInverted="1"/>
-      </p:transition>
-    </mc:Choice>
-    <mc:Fallback xmlns="">
-      <p:transition spd="slow" advClick="0">
-        <p:fade/>
-      </p:transition>
-    </mc:Fallback>
-  </mc:AlternateContent>
-  <p:timing>
-    <p:tnLst>
-      <p:par>
-        <p:cTn id="1" dur="indefinite" restart="never" nodeType="tmRoot">
-          <p:childTnLst>
-            <p:seq concurrent="1" nextAc="seek">
-              <p:cTn id="2" dur="indefinite" nodeType="mainSeq">
-                <p:childTnLst>
-                  <p:par>
-                    <p:cTn id="3" fill="hold">
-                      <p:stCondLst>
-                        <p:cond delay="indefinite"/>
-                        <p:cond evt="onBegin" delay="0">
-                          <p:tn val="2"/>
-                        </p:cond>
-                      </p:stCondLst>
-                      <p:childTnLst>
-                        <p:par>
-                          <p:cTn id="4" fill="hold">
-                            <p:stCondLst>
-                              <p:cond delay="0"/>
-                            </p:stCondLst>
-                            <p:childTnLst>
-                              <p:par>
-                                <p:cTn id="5" presetID="2" presetClass="entr" presetSubtype="4" fill="hold" grpId="0" nodeType="afterEffect">
-                                  <p:stCondLst>
-                                    <p:cond delay="0"/>
-                                  </p:stCondLst>
-                                  <p:childTnLst>
-                                    <p:set>
-                                      <p:cBhvr>
-                                        <p:cTn id="6" dur="1" fill="hold">
-                                          <p:stCondLst>
-                                            <p:cond delay="0"/>
-                                          </p:stCondLst>
-                                        </p:cTn>
-                                        <p:tgtEl>
-                                          <p:spTgt spid="2"/>
-                                        </p:tgtEl>
-                                        <p:attrNameLst>
-                                          <p:attrName>style.visibility</p:attrName>
-                                        </p:attrNameLst>
-                                      </p:cBhvr>
-                                      <p:to>
-                                        <p:strVal val="visible"/>
-                                      </p:to>
-                                    </p:set>
-                                    <p:anim calcmode="lin" valueType="num">
-                                      <p:cBhvr additive="base">
-                                        <p:cTn id="7" dur="500" fill="hold"/>
-                                        <p:tgtEl>
-                                          <p:spTgt spid="2"/>
-                                        </p:tgtEl>
-                                        <p:attrNameLst>
-                                          <p:attrName>ppt_x</p:attrName>
-                                        </p:attrNameLst>
-                                      </p:cBhvr>
-                                      <p:tavLst>
-                                        <p:tav tm="0">
-                                          <p:val>
-                                            <p:strVal val="#ppt_x"/>
-                                          </p:val>
-                                        </p:tav>
-                                        <p:tav tm="100000">
-                                          <p:val>
-                                            <p:strVal val="#ppt_x"/>
-                                          </p:val>
-                                        </p:tav>
-                                      </p:tavLst>
-                                    </p:anim>
-                                    <p:anim calcmode="lin" valueType="num">
-                                      <p:cBhvr additive="base">
-                                        <p:cTn id="8" dur="500" fill="hold"/>
-                                        <p:tgtEl>
-                                          <p:spTgt spid="2"/>
-                                        </p:tgtEl>
-                                        <p:attrNameLst>
-                                          <p:attrName>ppt_y</p:attrName>
-                                        </p:attrNameLst>
-                                      </p:cBhvr>
-                                      <p:tavLst>
-                                        <p:tav tm="0">
-                                          <p:val>
-                                            <p:strVal val="1+#ppt_h/2"/>
-                                          </p:val>
-                                        </p:tav>
-                                        <p:tav tm="100000">
-                                          <p:val>
-                                            <p:strVal val="#ppt_y"/>
-                                          </p:val>
-                                        </p:tav>
-                                      </p:tavLst>
-                                    </p:anim>
-                                  </p:childTnLst>
-                                </p:cTn>
-                              </p:par>
-                            </p:childTnLst>
-                          </p:cTn>
-                        </p:par>
-                      </p:childTnLst>
-                    </p:cTn>
-                  </p:par>
-                </p:childTnLst>
-              </p:cTn>
-              <p:prevCondLst>
-                <p:cond evt="onPrev" delay="0">
-                  <p:tgtEl>
-                    <p:sldTgt/>
-                  </p:tgtEl>
-                </p:cond>
-              </p:prevCondLst>
-              <p:nextCondLst>
-                <p:cond evt="onNext" delay="0">
-                  <p:tgtEl>
-                    <p:sldTgt/>
-                  </p:tgtEl>
-                </p:cond>
-              </p:nextCondLst>
-            </p:seq>
-          </p:childTnLst>
-        </p:cTn>
-      </p:par>
-    </p:tnLst>
-    <p:bldLst>
-      <p:bldP spid="2" grpId="0"/>
-    </p:bldLst>
-  </p:timing>
-</p:sld>
-</file>
-
-<file path=ppt/slides/slide3.xml><?xml version="1.0" encoding="utf-8"?>
+<file path=ppt/slides/slide10.xml><?xml version="1.0" encoding="utf-8"?>
 <p:sld xmlns:a="http://schemas.openxmlformats.org/drawingml/2006/main" xmlns:r="http://schemas.openxmlformats.org/officeDocument/2006/relationships" xmlns:p="http://schemas.openxmlformats.org/presentationml/2006/main">
   <p:cSld>
     <p:spTree>
@@ -5403,7 +5105,1558 @@
           </a:bodyPr>
           <a:lstStyle/>
           <a:p>
-            <a:endParaRPr lang="zh-CN" altLang="en-US" sz="1800" dirty="0" smtClean="0">
+            <a:endParaRPr lang="zh-CN" altLang="en-US" sz="1800" dirty="0">
+              <a:solidFill>
+                <a:srgbClr val="1B4367"/>
+              </a:solidFill>
+            </a:endParaRPr>
+          </a:p>
+        </p:txBody>
+      </p:sp>
+      <p:grpSp>
+        <p:nvGrpSpPr>
+          <p:cNvPr id="5" name="组合 4"/>
+          <p:cNvGrpSpPr/>
+          <p:nvPr/>
+        </p:nvGrpSpPr>
+        <p:grpSpPr>
+          <a:xfrm>
+            <a:off x="665243" y="281410"/>
+            <a:ext cx="4686874" cy="607859"/>
+            <a:chOff x="681450" y="278594"/>
+            <a:chExt cx="2966083" cy="607859"/>
+          </a:xfrm>
+        </p:grpSpPr>
+        <p:sp>
+          <p:nvSpPr>
+            <p:cNvPr id="31" name="文本框 15"/>
+            <p:cNvSpPr txBox="1"/>
+            <p:nvPr/>
+          </p:nvSpPr>
+          <p:spPr>
+            <a:xfrm>
+              <a:off x="681450" y="278594"/>
+              <a:ext cx="2966083" cy="607859"/>
+            </a:xfrm>
+            <a:prstGeom prst="rect">
+              <a:avLst/>
+            </a:prstGeom>
+            <a:noFill/>
+          </p:spPr>
+          <p:txBody>
+            <a:bodyPr wrap="square" lIns="68580" tIns="34290" rIns="68580" bIns="34290" rtlCol="0">
+              <a:spAutoFit/>
+            </a:bodyPr>
+            <a:lstStyle/>
+            <a:p>
+              <a:r>
+                <a:rPr lang="zh-CN" altLang="en-US" sz="1700" b="1" dirty="0">
+                  <a:solidFill>
+                    <a:srgbClr val="1B4367"/>
+                  </a:solidFill>
+                  <a:cs typeface="+mn-ea"/>
+                  <a:sym typeface="+mn-lt"/>
+                </a:rPr>
+                <a:t>压力测试</a:t>
+              </a:r>
+              <a:endParaRPr lang="zh-CN" altLang="en-US" sz="1800" dirty="0">
+                <a:solidFill>
+                  <a:srgbClr val="1B4367"/>
+                </a:solidFill>
+                <a:sym typeface="+mn-lt"/>
+              </a:endParaRPr>
+            </a:p>
+            <a:p>
+              <a:endParaRPr lang="zh-CN" altLang="en-US" sz="1700" b="1" dirty="0">
+                <a:solidFill>
+                  <a:srgbClr val="1B4367"/>
+                </a:solidFill>
+                <a:cs typeface="+mn-ea"/>
+                <a:sym typeface="+mn-lt"/>
+              </a:endParaRPr>
+            </a:p>
+          </p:txBody>
+        </p:sp>
+        <p:cxnSp>
+          <p:nvCxnSpPr>
+            <p:cNvPr id="20" name="直接连接符 19"/>
+            <p:cNvCxnSpPr/>
+            <p:nvPr/>
+          </p:nvCxnSpPr>
+          <p:spPr>
+            <a:xfrm>
+              <a:off x="774478" y="657417"/>
+              <a:ext cx="480259" cy="0"/>
+            </a:xfrm>
+            <a:prstGeom prst="line">
+              <a:avLst/>
+            </a:prstGeom>
+            <a:ln w="9525">
+              <a:solidFill>
+                <a:srgbClr val="1B4367"/>
+              </a:solidFill>
+            </a:ln>
+          </p:spPr>
+          <p:style>
+            <a:lnRef idx="1">
+              <a:schemeClr val="accent1"/>
+            </a:lnRef>
+            <a:fillRef idx="0">
+              <a:schemeClr val="accent1"/>
+            </a:fillRef>
+            <a:effectRef idx="0">
+              <a:schemeClr val="accent1"/>
+            </a:effectRef>
+            <a:fontRef idx="minor">
+              <a:schemeClr val="tx1"/>
+            </a:fontRef>
+          </p:style>
+        </p:cxnSp>
+      </p:grpSp>
+      <p:sp>
+        <p:nvSpPr>
+          <p:cNvPr id="8" name="Rectangle 6"/>
+          <p:cNvSpPr>
+            <a:spLocks noChangeArrowheads="1"/>
+          </p:cNvSpPr>
+          <p:nvPr/>
+        </p:nvSpPr>
+        <p:spPr bwMode="auto">
+          <a:xfrm>
+            <a:off x="1721595" y="2724074"/>
+            <a:ext cx="6165105" cy="369332"/>
+          </a:xfrm>
+          <a:prstGeom prst="rect">
+            <a:avLst/>
+          </a:prstGeom>
+          <a:noFill/>
+          <a:ln>
+            <a:noFill/>
+          </a:ln>
+          <a:effectLst/>
+          <a:extLst>
+            <a:ext uri="{909E8E84-426E-40DD-AFC4-6F175D3DCCD1}">
+              <a14:hiddenFill xmlns:a14="http://schemas.microsoft.com/office/drawing/2010/main">
+                <a:solidFill>
+                  <a:schemeClr val="accent1"/>
+                </a:solidFill>
+              </a14:hiddenFill>
+            </a:ext>
+            <a:ext uri="{91240B29-F687-4F45-9708-019B960494DF}">
+              <a14:hiddenLine xmlns:a14="http://schemas.microsoft.com/office/drawing/2010/main" w="9525">
+                <a:solidFill>
+                  <a:schemeClr val="tx1"/>
+                </a:solidFill>
+                <a:miter lim="800000"/>
+                <a:headEnd/>
+                <a:tailEnd/>
+              </a14:hiddenLine>
+            </a:ext>
+            <a:ext uri="{AF507438-7753-43E0-B8FC-AC1667EBCBE1}">
+              <a14:hiddenEffects xmlns:a14="http://schemas.microsoft.com/office/drawing/2010/main">
+                <a:effectLst>
+                  <a:outerShdw dist="35921" dir="2700000" algn="ctr" rotWithShape="0">
+                    <a:schemeClr val="bg2"/>
+                  </a:outerShdw>
+                </a:effectLst>
+              </a14:hiddenEffects>
+            </a:ext>
+          </a:extLst>
+        </p:spPr>
+        <p:txBody>
+          <a:bodyPr vert="horz" wrap="square" lIns="91440" tIns="45720" rIns="91440" bIns="45720" numCol="1" anchor="ctr" anchorCtr="0" compatLnSpc="1">
+            <a:spAutoFit/>
+          </a:bodyPr>
+          <a:lstStyle/>
+          <a:p>
+            <a:pPr marR="0" lvl="0" indent="0" fontAlgn="base">
+              <a:lnSpc>
+                <a:spcPct val="100000"/>
+              </a:lnSpc>
+              <a:spcBef>
+                <a:spcPct val="0"/>
+              </a:spcBef>
+              <a:spcAft>
+                <a:spcPct val="0"/>
+              </a:spcAft>
+              <a:buClrTx/>
+              <a:buSzTx/>
+              <a:buFontTx/>
+              <a:buNone/>
+            </a:pPr>
+            <a:endParaRPr lang="zh-CN" altLang="zh-CN" sz="1800" dirty="0">
+              <a:solidFill>
+                <a:srgbClr val="1B4367"/>
+              </a:solidFill>
+            </a:endParaRPr>
+          </a:p>
+        </p:txBody>
+      </p:sp>
+      <p:sp>
+        <p:nvSpPr>
+          <p:cNvPr id="12" name="文本框 15">
+            <a:extLst>
+              <a:ext uri="{FF2B5EF4-FFF2-40B4-BE49-F238E27FC236}">
+                <a16:creationId xmlns:a16="http://schemas.microsoft.com/office/drawing/2014/main" id="{A1835742-8971-0340-8C6A-C56360DEA12A}"/>
+              </a:ext>
+            </a:extLst>
+          </p:cNvPr>
+          <p:cNvSpPr txBox="1"/>
+          <p:nvPr/>
+        </p:nvSpPr>
+        <p:spPr>
+          <a:xfrm>
+            <a:off x="2228563" y="427603"/>
+            <a:ext cx="4686874" cy="315471"/>
+          </a:xfrm>
+          <a:prstGeom prst="rect">
+            <a:avLst/>
+          </a:prstGeom>
+          <a:noFill/>
+        </p:spPr>
+        <p:txBody>
+          <a:bodyPr wrap="square" lIns="68580" tIns="34290" rIns="68580" bIns="34290" rtlCol="0">
+            <a:spAutoFit/>
+          </a:bodyPr>
+          <a:lstStyle/>
+          <a:p>
+            <a:r>
+              <a:rPr lang="zh-CN" altLang="en-US" sz="1600" dirty="0">
+                <a:solidFill>
+                  <a:srgbClr val="1B4367"/>
+                </a:solidFill>
+                <a:sym typeface="+mn-lt"/>
+              </a:rPr>
+              <a:t>线程数：</a:t>
+            </a:r>
+            <a:r>
+              <a:rPr lang="en-US" altLang="zh-CN" sz="1600" dirty="0">
+                <a:solidFill>
+                  <a:srgbClr val="1B4367"/>
+                </a:solidFill>
+                <a:sym typeface="+mn-lt"/>
+              </a:rPr>
+              <a:t>200</a:t>
+            </a:r>
+            <a:r>
+              <a:rPr lang="zh-CN" altLang="en-US" sz="1600" dirty="0">
+                <a:solidFill>
+                  <a:srgbClr val="1B4367"/>
+                </a:solidFill>
+                <a:sym typeface="+mn-lt"/>
+              </a:rPr>
+              <a:t>，完成时间：</a:t>
+            </a:r>
+            <a:r>
+              <a:rPr lang="en-US" altLang="zh-CN" sz="1600" dirty="0">
+                <a:solidFill>
+                  <a:srgbClr val="1B4367"/>
+                </a:solidFill>
+                <a:sym typeface="+mn-lt"/>
+              </a:rPr>
+              <a:t>10s</a:t>
+            </a:r>
+            <a:r>
+              <a:rPr lang="zh-CN" altLang="en-US" sz="1600" dirty="0">
+                <a:solidFill>
+                  <a:srgbClr val="1B4367"/>
+                </a:solidFill>
+                <a:sym typeface="+mn-lt"/>
+              </a:rPr>
+              <a:t>，循环次数：</a:t>
+            </a:r>
+            <a:r>
+              <a:rPr lang="en-US" altLang="zh-CN" sz="1600" dirty="0">
+                <a:solidFill>
+                  <a:srgbClr val="1B4367"/>
+                </a:solidFill>
+                <a:sym typeface="+mn-lt"/>
+              </a:rPr>
+              <a:t>3</a:t>
+            </a:r>
+            <a:endParaRPr lang="zh-CN" altLang="en-US" sz="1600" dirty="0">
+              <a:solidFill>
+                <a:srgbClr val="1B4367"/>
+              </a:solidFill>
+              <a:sym typeface="+mn-lt"/>
+            </a:endParaRPr>
+          </a:p>
+        </p:txBody>
+      </p:sp>
+      <p:pic>
+        <p:nvPicPr>
+          <p:cNvPr id="3" name="图片 2">
+            <a:extLst>
+              <a:ext uri="{FF2B5EF4-FFF2-40B4-BE49-F238E27FC236}">
+                <a16:creationId xmlns:a16="http://schemas.microsoft.com/office/drawing/2014/main" id="{A3F42D15-464C-6C4E-AB4D-BB7706537828}"/>
+              </a:ext>
+            </a:extLst>
+          </p:cNvPr>
+          <p:cNvPicPr>
+            <a:picLocks noChangeAspect="1"/>
+          </p:cNvPicPr>
+          <p:nvPr/>
+        </p:nvPicPr>
+        <p:blipFill>
+          <a:blip r:embed="rId3"/>
+          <a:stretch>
+            <a:fillRect/>
+          </a:stretch>
+        </p:blipFill>
+        <p:spPr>
+          <a:xfrm>
+            <a:off x="822192" y="937851"/>
+            <a:ext cx="7572874" cy="3941778"/>
+          </a:xfrm>
+          <a:prstGeom prst="rect">
+            <a:avLst/>
+          </a:prstGeom>
+        </p:spPr>
+      </p:pic>
+    </p:spTree>
+    <p:extLst>
+      <p:ext uri="{BB962C8B-B14F-4D97-AF65-F5344CB8AC3E}">
+        <p14:creationId xmlns:p14="http://schemas.microsoft.com/office/powerpoint/2010/main" val="3442443252"/>
+      </p:ext>
+    </p:extLst>
+  </p:cSld>
+  <p:clrMapOvr>
+    <a:masterClrMapping/>
+  </p:clrMapOvr>
+  <mc:AlternateContent xmlns:mc="http://schemas.openxmlformats.org/markup-compatibility/2006" xmlns:p14="http://schemas.microsoft.com/office/powerpoint/2010/main">
+    <mc:Choice Requires="p14">
+      <p:transition spd="slow" p14:dur="1600" advClick="0">
+        <p14:prism isInverted="1"/>
+      </p:transition>
+    </mc:Choice>
+    <mc:Fallback xmlns="">
+      <p:transition spd="slow" advClick="0">
+        <p:fade/>
+      </p:transition>
+    </mc:Fallback>
+  </mc:AlternateContent>
+  <p:timing>
+    <p:tnLst>
+      <p:par>
+        <p:cTn id="1" dur="indefinite" restart="never" nodeType="tmRoot">
+          <p:childTnLst>
+            <p:seq concurrent="1" nextAc="seek">
+              <p:cTn id="2" dur="indefinite" nodeType="mainSeq">
+                <p:childTnLst>
+                  <p:par>
+                    <p:cTn id="3" fill="hold">
+                      <p:stCondLst>
+                        <p:cond delay="indefinite"/>
+                        <p:cond evt="onBegin" delay="0">
+                          <p:tn val="2"/>
+                        </p:cond>
+                      </p:stCondLst>
+                      <p:childTnLst>
+                        <p:par>
+                          <p:cTn id="4" fill="hold">
+                            <p:stCondLst>
+                              <p:cond delay="0"/>
+                            </p:stCondLst>
+                            <p:childTnLst>
+                              <p:par>
+                                <p:cTn id="5" presetID="2" presetClass="entr" presetSubtype="4" fill="hold" grpId="0" nodeType="afterEffect" nodePh="1">
+                                  <p:stCondLst>
+                                    <p:cond delay="0"/>
+                                  </p:stCondLst>
+                                  <p:endCondLst>
+                                    <p:cond evt="begin" delay="0">
+                                      <p:tn val="5"/>
+                                    </p:cond>
+                                  </p:endCondLst>
+                                  <p:childTnLst>
+                                    <p:set>
+                                      <p:cBhvr>
+                                        <p:cTn id="6" dur="1" fill="hold">
+                                          <p:stCondLst>
+                                            <p:cond delay="0"/>
+                                          </p:stCondLst>
+                                        </p:cTn>
+                                        <p:tgtEl>
+                                          <p:spTgt spid="47"/>
+                                        </p:tgtEl>
+                                        <p:attrNameLst>
+                                          <p:attrName>style.visibility</p:attrName>
+                                        </p:attrNameLst>
+                                      </p:cBhvr>
+                                      <p:to>
+                                        <p:strVal val="visible"/>
+                                      </p:to>
+                                    </p:set>
+                                    <p:anim calcmode="lin" valueType="num">
+                                      <p:cBhvr additive="base">
+                                        <p:cTn id="7" dur="500" fill="hold"/>
+                                        <p:tgtEl>
+                                          <p:spTgt spid="47"/>
+                                        </p:tgtEl>
+                                        <p:attrNameLst>
+                                          <p:attrName>ppt_x</p:attrName>
+                                        </p:attrNameLst>
+                                      </p:cBhvr>
+                                      <p:tavLst>
+                                        <p:tav tm="0">
+                                          <p:val>
+                                            <p:strVal val="#ppt_x"/>
+                                          </p:val>
+                                        </p:tav>
+                                        <p:tav tm="100000">
+                                          <p:val>
+                                            <p:strVal val="#ppt_x"/>
+                                          </p:val>
+                                        </p:tav>
+                                      </p:tavLst>
+                                    </p:anim>
+                                    <p:anim calcmode="lin" valueType="num">
+                                      <p:cBhvr additive="base">
+                                        <p:cTn id="8" dur="500" fill="hold"/>
+                                        <p:tgtEl>
+                                          <p:spTgt spid="47"/>
+                                        </p:tgtEl>
+                                        <p:attrNameLst>
+                                          <p:attrName>ppt_y</p:attrName>
+                                        </p:attrNameLst>
+                                      </p:cBhvr>
+                                      <p:tavLst>
+                                        <p:tav tm="0">
+                                          <p:val>
+                                            <p:strVal val="1+#ppt_h/2"/>
+                                          </p:val>
+                                        </p:tav>
+                                        <p:tav tm="100000">
+                                          <p:val>
+                                            <p:strVal val="#ppt_y"/>
+                                          </p:val>
+                                        </p:tav>
+                                      </p:tavLst>
+                                    </p:anim>
+                                  </p:childTnLst>
+                                </p:cTn>
+                              </p:par>
+                            </p:childTnLst>
+                          </p:cTn>
+                        </p:par>
+                      </p:childTnLst>
+                    </p:cTn>
+                  </p:par>
+                </p:childTnLst>
+              </p:cTn>
+              <p:prevCondLst>
+                <p:cond evt="onPrev" delay="0">
+                  <p:tgtEl>
+                    <p:sldTgt/>
+                  </p:tgtEl>
+                </p:cond>
+              </p:prevCondLst>
+              <p:nextCondLst>
+                <p:cond evt="onNext" delay="0">
+                  <p:tgtEl>
+                    <p:sldTgt/>
+                  </p:tgtEl>
+                </p:cond>
+              </p:nextCondLst>
+            </p:seq>
+          </p:childTnLst>
+        </p:cTn>
+      </p:par>
+    </p:tnLst>
+    <p:bldLst>
+      <p:bldP spid="47" grpId="0"/>
+    </p:bldLst>
+  </p:timing>
+</p:sld>
+</file>
+
+<file path=ppt/slides/slide11.xml><?xml version="1.0" encoding="utf-8"?>
+<p:sld xmlns:a="http://schemas.openxmlformats.org/drawingml/2006/main" xmlns:r="http://schemas.openxmlformats.org/officeDocument/2006/relationships" xmlns:p="http://schemas.openxmlformats.org/presentationml/2006/main">
+  <p:cSld>
+    <p:spTree>
+      <p:nvGrpSpPr>
+        <p:cNvPr id="1" name=""/>
+        <p:cNvGrpSpPr/>
+        <p:nvPr/>
+      </p:nvGrpSpPr>
+      <p:grpSpPr>
+        <a:xfrm>
+          <a:off x="0" y="0"/>
+          <a:ext cx="0" cy="0"/>
+          <a:chOff x="0" y="0"/>
+          <a:chExt cx="0" cy="0"/>
+        </a:xfrm>
+      </p:grpSpPr>
+      <p:sp>
+        <p:nvSpPr>
+          <p:cNvPr id="47" name="TextBox 1210"/>
+          <p:cNvSpPr/>
+          <p:nvPr/>
+        </p:nvSpPr>
+        <p:spPr>
+          <a:xfrm>
+            <a:off x="1335165" y="1247760"/>
+            <a:ext cx="7030042" cy="345440"/>
+          </a:xfrm>
+          <a:prstGeom prst="rect">
+            <a:avLst/>
+          </a:prstGeom>
+          <a:noFill/>
+          <a:ln w="9525">
+            <a:noFill/>
+            <a:miter/>
+          </a:ln>
+          <a:extLst>
+            <a:ext uri="{909E8E84-426E-40DD-AFC4-6F175D3DCCD1}">
+              <a14:hiddenFill xmlns:a14="http://schemas.microsoft.com/office/drawing/2010/main">
+                <a:solidFill>
+                  <a:srgbClr val="5CA0B4"/>
+                </a:solidFill>
+              </a14:hiddenFill>
+            </a:ext>
+          </a:extLst>
+        </p:spPr>
+        <p:txBody>
+          <a:bodyPr wrap="square" lIns="68580" tIns="34290" rIns="68580" bIns="34290">
+            <a:spAutoFit/>
+          </a:bodyPr>
+          <a:lstStyle/>
+          <a:p>
+            <a:endParaRPr lang="zh-CN" altLang="en-US" sz="1800" dirty="0">
+              <a:solidFill>
+                <a:srgbClr val="1B4367"/>
+              </a:solidFill>
+            </a:endParaRPr>
+          </a:p>
+        </p:txBody>
+      </p:sp>
+      <p:grpSp>
+        <p:nvGrpSpPr>
+          <p:cNvPr id="5" name="组合 4"/>
+          <p:cNvGrpSpPr/>
+          <p:nvPr/>
+        </p:nvGrpSpPr>
+        <p:grpSpPr>
+          <a:xfrm>
+            <a:off x="665243" y="281410"/>
+            <a:ext cx="4686874" cy="607859"/>
+            <a:chOff x="681450" y="278594"/>
+            <a:chExt cx="2966083" cy="607859"/>
+          </a:xfrm>
+        </p:grpSpPr>
+        <p:sp>
+          <p:nvSpPr>
+            <p:cNvPr id="31" name="文本框 15"/>
+            <p:cNvSpPr txBox="1"/>
+            <p:nvPr/>
+          </p:nvSpPr>
+          <p:spPr>
+            <a:xfrm>
+              <a:off x="681450" y="278594"/>
+              <a:ext cx="2966083" cy="607859"/>
+            </a:xfrm>
+            <a:prstGeom prst="rect">
+              <a:avLst/>
+            </a:prstGeom>
+            <a:noFill/>
+          </p:spPr>
+          <p:txBody>
+            <a:bodyPr wrap="square" lIns="68580" tIns="34290" rIns="68580" bIns="34290" rtlCol="0">
+              <a:spAutoFit/>
+            </a:bodyPr>
+            <a:lstStyle/>
+            <a:p>
+              <a:r>
+                <a:rPr lang="zh-CN" altLang="en-US" sz="1700" b="1" dirty="0">
+                  <a:solidFill>
+                    <a:srgbClr val="1B4367"/>
+                  </a:solidFill>
+                  <a:cs typeface="+mn-ea"/>
+                  <a:sym typeface="+mn-lt"/>
+                </a:rPr>
+                <a:t>压力测试</a:t>
+              </a:r>
+              <a:endParaRPr lang="zh-CN" altLang="en-US" sz="1800" dirty="0">
+                <a:solidFill>
+                  <a:srgbClr val="1B4367"/>
+                </a:solidFill>
+                <a:sym typeface="+mn-lt"/>
+              </a:endParaRPr>
+            </a:p>
+            <a:p>
+              <a:endParaRPr lang="zh-CN" altLang="en-US" sz="1700" b="1" dirty="0">
+                <a:solidFill>
+                  <a:srgbClr val="1B4367"/>
+                </a:solidFill>
+                <a:cs typeface="+mn-ea"/>
+                <a:sym typeface="+mn-lt"/>
+              </a:endParaRPr>
+            </a:p>
+          </p:txBody>
+        </p:sp>
+        <p:cxnSp>
+          <p:nvCxnSpPr>
+            <p:cNvPr id="20" name="直接连接符 19"/>
+            <p:cNvCxnSpPr/>
+            <p:nvPr/>
+          </p:nvCxnSpPr>
+          <p:spPr>
+            <a:xfrm>
+              <a:off x="774478" y="657417"/>
+              <a:ext cx="480259" cy="0"/>
+            </a:xfrm>
+            <a:prstGeom prst="line">
+              <a:avLst/>
+            </a:prstGeom>
+            <a:ln w="9525">
+              <a:solidFill>
+                <a:srgbClr val="1B4367"/>
+              </a:solidFill>
+            </a:ln>
+          </p:spPr>
+          <p:style>
+            <a:lnRef idx="1">
+              <a:schemeClr val="accent1"/>
+            </a:lnRef>
+            <a:fillRef idx="0">
+              <a:schemeClr val="accent1"/>
+            </a:fillRef>
+            <a:effectRef idx="0">
+              <a:schemeClr val="accent1"/>
+            </a:effectRef>
+            <a:fontRef idx="minor">
+              <a:schemeClr val="tx1"/>
+            </a:fontRef>
+          </p:style>
+        </p:cxnSp>
+      </p:grpSp>
+      <p:sp>
+        <p:nvSpPr>
+          <p:cNvPr id="8" name="Rectangle 6"/>
+          <p:cNvSpPr>
+            <a:spLocks noChangeArrowheads="1"/>
+          </p:cNvSpPr>
+          <p:nvPr/>
+        </p:nvSpPr>
+        <p:spPr bwMode="auto">
+          <a:xfrm>
+            <a:off x="1721595" y="2724074"/>
+            <a:ext cx="6165105" cy="369332"/>
+          </a:xfrm>
+          <a:prstGeom prst="rect">
+            <a:avLst/>
+          </a:prstGeom>
+          <a:noFill/>
+          <a:ln>
+            <a:noFill/>
+          </a:ln>
+          <a:effectLst/>
+          <a:extLst>
+            <a:ext uri="{909E8E84-426E-40DD-AFC4-6F175D3DCCD1}">
+              <a14:hiddenFill xmlns:a14="http://schemas.microsoft.com/office/drawing/2010/main">
+                <a:solidFill>
+                  <a:schemeClr val="accent1"/>
+                </a:solidFill>
+              </a14:hiddenFill>
+            </a:ext>
+            <a:ext uri="{91240B29-F687-4F45-9708-019B960494DF}">
+              <a14:hiddenLine xmlns:a14="http://schemas.microsoft.com/office/drawing/2010/main" w="9525">
+                <a:solidFill>
+                  <a:schemeClr val="tx1"/>
+                </a:solidFill>
+                <a:miter lim="800000"/>
+                <a:headEnd/>
+                <a:tailEnd/>
+              </a14:hiddenLine>
+            </a:ext>
+            <a:ext uri="{AF507438-7753-43E0-B8FC-AC1667EBCBE1}">
+              <a14:hiddenEffects xmlns:a14="http://schemas.microsoft.com/office/drawing/2010/main">
+                <a:effectLst>
+                  <a:outerShdw dist="35921" dir="2700000" algn="ctr" rotWithShape="0">
+                    <a:schemeClr val="bg2"/>
+                  </a:outerShdw>
+                </a:effectLst>
+              </a14:hiddenEffects>
+            </a:ext>
+          </a:extLst>
+        </p:spPr>
+        <p:txBody>
+          <a:bodyPr vert="horz" wrap="square" lIns="91440" tIns="45720" rIns="91440" bIns="45720" numCol="1" anchor="ctr" anchorCtr="0" compatLnSpc="1">
+            <a:spAutoFit/>
+          </a:bodyPr>
+          <a:lstStyle/>
+          <a:p>
+            <a:pPr marR="0" lvl="0" indent="0" fontAlgn="base">
+              <a:lnSpc>
+                <a:spcPct val="100000"/>
+              </a:lnSpc>
+              <a:spcBef>
+                <a:spcPct val="0"/>
+              </a:spcBef>
+              <a:spcAft>
+                <a:spcPct val="0"/>
+              </a:spcAft>
+              <a:buClrTx/>
+              <a:buSzTx/>
+              <a:buFontTx/>
+              <a:buNone/>
+            </a:pPr>
+            <a:endParaRPr lang="zh-CN" altLang="zh-CN" sz="1800" dirty="0">
+              <a:solidFill>
+                <a:srgbClr val="1B4367"/>
+              </a:solidFill>
+            </a:endParaRPr>
+          </a:p>
+        </p:txBody>
+      </p:sp>
+      <p:sp>
+        <p:nvSpPr>
+          <p:cNvPr id="12" name="文本框 15">
+            <a:extLst>
+              <a:ext uri="{FF2B5EF4-FFF2-40B4-BE49-F238E27FC236}">
+                <a16:creationId xmlns:a16="http://schemas.microsoft.com/office/drawing/2014/main" id="{A1835742-8971-0340-8C6A-C56360DEA12A}"/>
+              </a:ext>
+            </a:extLst>
+          </p:cNvPr>
+          <p:cNvSpPr txBox="1"/>
+          <p:nvPr/>
+        </p:nvSpPr>
+        <p:spPr>
+          <a:xfrm>
+            <a:off x="2228563" y="427603"/>
+            <a:ext cx="4686874" cy="315471"/>
+          </a:xfrm>
+          <a:prstGeom prst="rect">
+            <a:avLst/>
+          </a:prstGeom>
+          <a:noFill/>
+        </p:spPr>
+        <p:txBody>
+          <a:bodyPr wrap="square" lIns="68580" tIns="34290" rIns="68580" bIns="34290" rtlCol="0">
+            <a:spAutoFit/>
+          </a:bodyPr>
+          <a:lstStyle/>
+          <a:p>
+            <a:r>
+              <a:rPr lang="zh-CN" altLang="en-US" sz="1600" dirty="0">
+                <a:solidFill>
+                  <a:srgbClr val="1B4367"/>
+                </a:solidFill>
+                <a:sym typeface="+mn-lt"/>
+              </a:rPr>
+              <a:t>线程数：</a:t>
+            </a:r>
+            <a:r>
+              <a:rPr lang="en-US" altLang="zh-CN" sz="1600" dirty="0">
+                <a:solidFill>
+                  <a:srgbClr val="1B4367"/>
+                </a:solidFill>
+                <a:sym typeface="+mn-lt"/>
+              </a:rPr>
+              <a:t>300</a:t>
+            </a:r>
+            <a:r>
+              <a:rPr lang="zh-CN" altLang="en-US" sz="1600" dirty="0">
+                <a:solidFill>
+                  <a:srgbClr val="1B4367"/>
+                </a:solidFill>
+                <a:sym typeface="+mn-lt"/>
+              </a:rPr>
+              <a:t>，完成时间：</a:t>
+            </a:r>
+            <a:r>
+              <a:rPr lang="en-US" altLang="zh-CN" sz="1600" dirty="0">
+                <a:solidFill>
+                  <a:srgbClr val="1B4367"/>
+                </a:solidFill>
+                <a:sym typeface="+mn-lt"/>
+              </a:rPr>
+              <a:t>20s</a:t>
+            </a:r>
+            <a:r>
+              <a:rPr lang="zh-CN" altLang="en-US" sz="1600" dirty="0">
+                <a:solidFill>
+                  <a:srgbClr val="1B4367"/>
+                </a:solidFill>
+                <a:sym typeface="+mn-lt"/>
+              </a:rPr>
+              <a:t>，循环次数：</a:t>
+            </a:r>
+            <a:r>
+              <a:rPr lang="en-US" altLang="zh-CN" sz="1600" dirty="0">
+                <a:solidFill>
+                  <a:srgbClr val="1B4367"/>
+                </a:solidFill>
+                <a:sym typeface="+mn-lt"/>
+              </a:rPr>
+              <a:t>3</a:t>
+            </a:r>
+            <a:endParaRPr lang="zh-CN" altLang="en-US" sz="1600" dirty="0">
+              <a:solidFill>
+                <a:srgbClr val="1B4367"/>
+              </a:solidFill>
+              <a:sym typeface="+mn-lt"/>
+            </a:endParaRPr>
+          </a:p>
+        </p:txBody>
+      </p:sp>
+      <p:pic>
+        <p:nvPicPr>
+          <p:cNvPr id="3" name="图片 2">
+            <a:extLst>
+              <a:ext uri="{FF2B5EF4-FFF2-40B4-BE49-F238E27FC236}">
+                <a16:creationId xmlns:a16="http://schemas.microsoft.com/office/drawing/2014/main" id="{95147FFE-34DB-EF4D-AD57-73E8A3160FC6}"/>
+              </a:ext>
+            </a:extLst>
+          </p:cNvPr>
+          <p:cNvPicPr>
+            <a:picLocks noChangeAspect="1"/>
+          </p:cNvPicPr>
+          <p:nvPr/>
+        </p:nvPicPr>
+        <p:blipFill>
+          <a:blip r:embed="rId3"/>
+          <a:stretch>
+            <a:fillRect/>
+          </a:stretch>
+        </p:blipFill>
+        <p:spPr>
+          <a:xfrm>
+            <a:off x="812242" y="819366"/>
+            <a:ext cx="7397148" cy="4225584"/>
+          </a:xfrm>
+          <a:prstGeom prst="rect">
+            <a:avLst/>
+          </a:prstGeom>
+        </p:spPr>
+      </p:pic>
+    </p:spTree>
+    <p:extLst>
+      <p:ext uri="{BB962C8B-B14F-4D97-AF65-F5344CB8AC3E}">
+        <p14:creationId xmlns:p14="http://schemas.microsoft.com/office/powerpoint/2010/main" val="2088325920"/>
+      </p:ext>
+    </p:extLst>
+  </p:cSld>
+  <p:clrMapOvr>
+    <a:masterClrMapping/>
+  </p:clrMapOvr>
+  <mc:AlternateContent xmlns:mc="http://schemas.openxmlformats.org/markup-compatibility/2006" xmlns:p14="http://schemas.microsoft.com/office/powerpoint/2010/main">
+    <mc:Choice Requires="p14">
+      <p:transition spd="slow" p14:dur="1600" advClick="0">
+        <p14:prism isInverted="1"/>
+      </p:transition>
+    </mc:Choice>
+    <mc:Fallback xmlns="">
+      <p:transition spd="slow" advClick="0">
+        <p:fade/>
+      </p:transition>
+    </mc:Fallback>
+  </mc:AlternateContent>
+  <p:timing>
+    <p:tnLst>
+      <p:par>
+        <p:cTn id="1" dur="indefinite" restart="never" nodeType="tmRoot">
+          <p:childTnLst>
+            <p:seq concurrent="1" nextAc="seek">
+              <p:cTn id="2" dur="indefinite" nodeType="mainSeq">
+                <p:childTnLst>
+                  <p:par>
+                    <p:cTn id="3" fill="hold">
+                      <p:stCondLst>
+                        <p:cond delay="indefinite"/>
+                        <p:cond evt="onBegin" delay="0">
+                          <p:tn val="2"/>
+                        </p:cond>
+                      </p:stCondLst>
+                      <p:childTnLst>
+                        <p:par>
+                          <p:cTn id="4" fill="hold">
+                            <p:stCondLst>
+                              <p:cond delay="0"/>
+                            </p:stCondLst>
+                            <p:childTnLst>
+                              <p:par>
+                                <p:cTn id="5" presetID="2" presetClass="entr" presetSubtype="4" fill="hold" grpId="0" nodeType="afterEffect" nodePh="1">
+                                  <p:stCondLst>
+                                    <p:cond delay="0"/>
+                                  </p:stCondLst>
+                                  <p:endCondLst>
+                                    <p:cond evt="begin" delay="0">
+                                      <p:tn val="5"/>
+                                    </p:cond>
+                                  </p:endCondLst>
+                                  <p:childTnLst>
+                                    <p:set>
+                                      <p:cBhvr>
+                                        <p:cTn id="6" dur="1" fill="hold">
+                                          <p:stCondLst>
+                                            <p:cond delay="0"/>
+                                          </p:stCondLst>
+                                        </p:cTn>
+                                        <p:tgtEl>
+                                          <p:spTgt spid="47"/>
+                                        </p:tgtEl>
+                                        <p:attrNameLst>
+                                          <p:attrName>style.visibility</p:attrName>
+                                        </p:attrNameLst>
+                                      </p:cBhvr>
+                                      <p:to>
+                                        <p:strVal val="visible"/>
+                                      </p:to>
+                                    </p:set>
+                                    <p:anim calcmode="lin" valueType="num">
+                                      <p:cBhvr additive="base">
+                                        <p:cTn id="7" dur="500" fill="hold"/>
+                                        <p:tgtEl>
+                                          <p:spTgt spid="47"/>
+                                        </p:tgtEl>
+                                        <p:attrNameLst>
+                                          <p:attrName>ppt_x</p:attrName>
+                                        </p:attrNameLst>
+                                      </p:cBhvr>
+                                      <p:tavLst>
+                                        <p:tav tm="0">
+                                          <p:val>
+                                            <p:strVal val="#ppt_x"/>
+                                          </p:val>
+                                        </p:tav>
+                                        <p:tav tm="100000">
+                                          <p:val>
+                                            <p:strVal val="#ppt_x"/>
+                                          </p:val>
+                                        </p:tav>
+                                      </p:tavLst>
+                                    </p:anim>
+                                    <p:anim calcmode="lin" valueType="num">
+                                      <p:cBhvr additive="base">
+                                        <p:cTn id="8" dur="500" fill="hold"/>
+                                        <p:tgtEl>
+                                          <p:spTgt spid="47"/>
+                                        </p:tgtEl>
+                                        <p:attrNameLst>
+                                          <p:attrName>ppt_y</p:attrName>
+                                        </p:attrNameLst>
+                                      </p:cBhvr>
+                                      <p:tavLst>
+                                        <p:tav tm="0">
+                                          <p:val>
+                                            <p:strVal val="1+#ppt_h/2"/>
+                                          </p:val>
+                                        </p:tav>
+                                        <p:tav tm="100000">
+                                          <p:val>
+                                            <p:strVal val="#ppt_y"/>
+                                          </p:val>
+                                        </p:tav>
+                                      </p:tavLst>
+                                    </p:anim>
+                                  </p:childTnLst>
+                                </p:cTn>
+                              </p:par>
+                            </p:childTnLst>
+                          </p:cTn>
+                        </p:par>
+                      </p:childTnLst>
+                    </p:cTn>
+                  </p:par>
+                </p:childTnLst>
+              </p:cTn>
+              <p:prevCondLst>
+                <p:cond evt="onPrev" delay="0">
+                  <p:tgtEl>
+                    <p:sldTgt/>
+                  </p:tgtEl>
+                </p:cond>
+              </p:prevCondLst>
+              <p:nextCondLst>
+                <p:cond evt="onNext" delay="0">
+                  <p:tgtEl>
+                    <p:sldTgt/>
+                  </p:tgtEl>
+                </p:cond>
+              </p:nextCondLst>
+            </p:seq>
+          </p:childTnLst>
+        </p:cTn>
+      </p:par>
+    </p:tnLst>
+    <p:bldLst>
+      <p:bldP spid="47" grpId="0"/>
+    </p:bldLst>
+  </p:timing>
+</p:sld>
+</file>
+
+<file path=ppt/slides/slide12.xml><?xml version="1.0" encoding="utf-8"?>
+<p:sld xmlns:a="http://schemas.openxmlformats.org/drawingml/2006/main" xmlns:r="http://schemas.openxmlformats.org/officeDocument/2006/relationships" xmlns:p="http://schemas.openxmlformats.org/presentationml/2006/main">
+  <p:cSld>
+    <p:spTree>
+      <p:nvGrpSpPr>
+        <p:cNvPr id="1" name=""/>
+        <p:cNvGrpSpPr/>
+        <p:nvPr/>
+      </p:nvGrpSpPr>
+      <p:grpSpPr>
+        <a:xfrm>
+          <a:off x="0" y="0"/>
+          <a:ext cx="0" cy="0"/>
+          <a:chOff x="0" y="0"/>
+          <a:chExt cx="0" cy="0"/>
+        </a:xfrm>
+      </p:grpSpPr>
+      <p:sp>
+        <p:nvSpPr>
+          <p:cNvPr id="47" name="TextBox 1210"/>
+          <p:cNvSpPr/>
+          <p:nvPr/>
+        </p:nvSpPr>
+        <p:spPr>
+          <a:xfrm>
+            <a:off x="1335165" y="1247760"/>
+            <a:ext cx="7030042" cy="345440"/>
+          </a:xfrm>
+          <a:prstGeom prst="rect">
+            <a:avLst/>
+          </a:prstGeom>
+          <a:noFill/>
+          <a:ln w="9525">
+            <a:noFill/>
+            <a:miter/>
+          </a:ln>
+          <a:extLst>
+            <a:ext uri="{909E8E84-426E-40DD-AFC4-6F175D3DCCD1}">
+              <a14:hiddenFill xmlns:a14="http://schemas.microsoft.com/office/drawing/2010/main">
+                <a:solidFill>
+                  <a:srgbClr val="5CA0B4"/>
+                </a:solidFill>
+              </a14:hiddenFill>
+            </a:ext>
+          </a:extLst>
+        </p:spPr>
+        <p:txBody>
+          <a:bodyPr wrap="square" lIns="68580" tIns="34290" rIns="68580" bIns="34290">
+            <a:spAutoFit/>
+          </a:bodyPr>
+          <a:lstStyle/>
+          <a:p>
+            <a:endParaRPr lang="zh-CN" altLang="en-US" sz="1800" dirty="0">
+              <a:solidFill>
+                <a:srgbClr val="1B4367"/>
+              </a:solidFill>
+            </a:endParaRPr>
+          </a:p>
+        </p:txBody>
+      </p:sp>
+      <p:grpSp>
+        <p:nvGrpSpPr>
+          <p:cNvPr id="5" name="组合 4"/>
+          <p:cNvGrpSpPr/>
+          <p:nvPr/>
+        </p:nvGrpSpPr>
+        <p:grpSpPr>
+          <a:xfrm>
+            <a:off x="665243" y="281410"/>
+            <a:ext cx="4686874" cy="607859"/>
+            <a:chOff x="681450" y="278594"/>
+            <a:chExt cx="2966083" cy="607859"/>
+          </a:xfrm>
+        </p:grpSpPr>
+        <p:sp>
+          <p:nvSpPr>
+            <p:cNvPr id="31" name="文本框 15"/>
+            <p:cNvSpPr txBox="1"/>
+            <p:nvPr/>
+          </p:nvSpPr>
+          <p:spPr>
+            <a:xfrm>
+              <a:off x="681450" y="278594"/>
+              <a:ext cx="2966083" cy="607859"/>
+            </a:xfrm>
+            <a:prstGeom prst="rect">
+              <a:avLst/>
+            </a:prstGeom>
+            <a:noFill/>
+          </p:spPr>
+          <p:txBody>
+            <a:bodyPr wrap="square" lIns="68580" tIns="34290" rIns="68580" bIns="34290" rtlCol="0">
+              <a:spAutoFit/>
+            </a:bodyPr>
+            <a:lstStyle/>
+            <a:p>
+              <a:r>
+                <a:rPr lang="zh-CN" altLang="en-US" sz="1700" b="1" dirty="0">
+                  <a:solidFill>
+                    <a:srgbClr val="1B4367"/>
+                  </a:solidFill>
+                  <a:cs typeface="+mn-ea"/>
+                  <a:sym typeface="+mn-lt"/>
+                </a:rPr>
+                <a:t>压力测试</a:t>
+              </a:r>
+              <a:endParaRPr lang="zh-CN" altLang="en-US" sz="1800" dirty="0">
+                <a:solidFill>
+                  <a:srgbClr val="1B4367"/>
+                </a:solidFill>
+                <a:sym typeface="+mn-lt"/>
+              </a:endParaRPr>
+            </a:p>
+            <a:p>
+              <a:endParaRPr lang="zh-CN" altLang="en-US" sz="1700" b="1" dirty="0">
+                <a:solidFill>
+                  <a:srgbClr val="1B4367"/>
+                </a:solidFill>
+                <a:cs typeface="+mn-ea"/>
+                <a:sym typeface="+mn-lt"/>
+              </a:endParaRPr>
+            </a:p>
+          </p:txBody>
+        </p:sp>
+        <p:cxnSp>
+          <p:nvCxnSpPr>
+            <p:cNvPr id="20" name="直接连接符 19"/>
+            <p:cNvCxnSpPr/>
+            <p:nvPr/>
+          </p:nvCxnSpPr>
+          <p:spPr>
+            <a:xfrm>
+              <a:off x="774478" y="657417"/>
+              <a:ext cx="480259" cy="0"/>
+            </a:xfrm>
+            <a:prstGeom prst="line">
+              <a:avLst/>
+            </a:prstGeom>
+            <a:ln w="9525">
+              <a:solidFill>
+                <a:srgbClr val="1B4367"/>
+              </a:solidFill>
+            </a:ln>
+          </p:spPr>
+          <p:style>
+            <a:lnRef idx="1">
+              <a:schemeClr val="accent1"/>
+            </a:lnRef>
+            <a:fillRef idx="0">
+              <a:schemeClr val="accent1"/>
+            </a:fillRef>
+            <a:effectRef idx="0">
+              <a:schemeClr val="accent1"/>
+            </a:effectRef>
+            <a:fontRef idx="minor">
+              <a:schemeClr val="tx1"/>
+            </a:fontRef>
+          </p:style>
+        </p:cxnSp>
+      </p:grpSp>
+      <p:sp>
+        <p:nvSpPr>
+          <p:cNvPr id="8" name="Rectangle 6"/>
+          <p:cNvSpPr>
+            <a:spLocks noChangeArrowheads="1"/>
+          </p:cNvSpPr>
+          <p:nvPr/>
+        </p:nvSpPr>
+        <p:spPr bwMode="auto">
+          <a:xfrm>
+            <a:off x="1721595" y="2724074"/>
+            <a:ext cx="6165105" cy="369332"/>
+          </a:xfrm>
+          <a:prstGeom prst="rect">
+            <a:avLst/>
+          </a:prstGeom>
+          <a:noFill/>
+          <a:ln>
+            <a:noFill/>
+          </a:ln>
+          <a:effectLst/>
+          <a:extLst>
+            <a:ext uri="{909E8E84-426E-40DD-AFC4-6F175D3DCCD1}">
+              <a14:hiddenFill xmlns:a14="http://schemas.microsoft.com/office/drawing/2010/main">
+                <a:solidFill>
+                  <a:schemeClr val="accent1"/>
+                </a:solidFill>
+              </a14:hiddenFill>
+            </a:ext>
+            <a:ext uri="{91240B29-F687-4F45-9708-019B960494DF}">
+              <a14:hiddenLine xmlns:a14="http://schemas.microsoft.com/office/drawing/2010/main" w="9525">
+                <a:solidFill>
+                  <a:schemeClr val="tx1"/>
+                </a:solidFill>
+                <a:miter lim="800000"/>
+                <a:headEnd/>
+                <a:tailEnd/>
+              </a14:hiddenLine>
+            </a:ext>
+            <a:ext uri="{AF507438-7753-43E0-B8FC-AC1667EBCBE1}">
+              <a14:hiddenEffects xmlns:a14="http://schemas.microsoft.com/office/drawing/2010/main">
+                <a:effectLst>
+                  <a:outerShdw dist="35921" dir="2700000" algn="ctr" rotWithShape="0">
+                    <a:schemeClr val="bg2"/>
+                  </a:outerShdw>
+                </a:effectLst>
+              </a14:hiddenEffects>
+            </a:ext>
+          </a:extLst>
+        </p:spPr>
+        <p:txBody>
+          <a:bodyPr vert="horz" wrap="square" lIns="91440" tIns="45720" rIns="91440" bIns="45720" numCol="1" anchor="ctr" anchorCtr="0" compatLnSpc="1">
+            <a:spAutoFit/>
+          </a:bodyPr>
+          <a:lstStyle/>
+          <a:p>
+            <a:pPr marR="0" lvl="0" indent="0" fontAlgn="base">
+              <a:lnSpc>
+                <a:spcPct val="100000"/>
+              </a:lnSpc>
+              <a:spcBef>
+                <a:spcPct val="0"/>
+              </a:spcBef>
+              <a:spcAft>
+                <a:spcPct val="0"/>
+              </a:spcAft>
+              <a:buClrTx/>
+              <a:buSzTx/>
+              <a:buFontTx/>
+              <a:buNone/>
+            </a:pPr>
+            <a:endParaRPr lang="zh-CN" altLang="zh-CN" sz="1800" dirty="0">
+              <a:solidFill>
+                <a:srgbClr val="1B4367"/>
+              </a:solidFill>
+            </a:endParaRPr>
+          </a:p>
+        </p:txBody>
+      </p:sp>
+      <p:sp>
+        <p:nvSpPr>
+          <p:cNvPr id="12" name="文本框 15">
+            <a:extLst>
+              <a:ext uri="{FF2B5EF4-FFF2-40B4-BE49-F238E27FC236}">
+                <a16:creationId xmlns:a16="http://schemas.microsoft.com/office/drawing/2014/main" id="{A1835742-8971-0340-8C6A-C56360DEA12A}"/>
+              </a:ext>
+            </a:extLst>
+          </p:cNvPr>
+          <p:cNvSpPr txBox="1"/>
+          <p:nvPr/>
+        </p:nvSpPr>
+        <p:spPr>
+          <a:xfrm>
+            <a:off x="2228563" y="427603"/>
+            <a:ext cx="4686874" cy="315471"/>
+          </a:xfrm>
+          <a:prstGeom prst="rect">
+            <a:avLst/>
+          </a:prstGeom>
+          <a:noFill/>
+        </p:spPr>
+        <p:txBody>
+          <a:bodyPr wrap="square" lIns="68580" tIns="34290" rIns="68580" bIns="34290" rtlCol="0">
+            <a:spAutoFit/>
+          </a:bodyPr>
+          <a:lstStyle/>
+          <a:p>
+            <a:r>
+              <a:rPr lang="zh-CN" altLang="en-US" sz="1600" dirty="0">
+                <a:solidFill>
+                  <a:srgbClr val="1B4367"/>
+                </a:solidFill>
+                <a:sym typeface="+mn-lt"/>
+              </a:rPr>
+              <a:t>线程数：</a:t>
+            </a:r>
+            <a:r>
+              <a:rPr lang="en-US" altLang="zh-CN" sz="1600" dirty="0">
+                <a:solidFill>
+                  <a:srgbClr val="1B4367"/>
+                </a:solidFill>
+                <a:sym typeface="+mn-lt"/>
+              </a:rPr>
+              <a:t>200</a:t>
+            </a:r>
+            <a:r>
+              <a:rPr lang="zh-CN" altLang="en-US" sz="1600" dirty="0">
+                <a:solidFill>
+                  <a:srgbClr val="1B4367"/>
+                </a:solidFill>
+                <a:sym typeface="+mn-lt"/>
+              </a:rPr>
+              <a:t>，完成时间：</a:t>
+            </a:r>
+            <a:r>
+              <a:rPr lang="en-US" altLang="zh-CN" sz="1600" dirty="0">
+                <a:solidFill>
+                  <a:srgbClr val="1B4367"/>
+                </a:solidFill>
+                <a:sym typeface="+mn-lt"/>
+              </a:rPr>
+              <a:t>40s</a:t>
+            </a:r>
+            <a:r>
+              <a:rPr lang="zh-CN" altLang="en-US" sz="1600" dirty="0">
+                <a:solidFill>
+                  <a:srgbClr val="1B4367"/>
+                </a:solidFill>
+                <a:sym typeface="+mn-lt"/>
+              </a:rPr>
+              <a:t>，循环次数：</a:t>
+            </a:r>
+            <a:r>
+              <a:rPr lang="en-US" altLang="zh-CN" sz="1600" dirty="0">
+                <a:solidFill>
+                  <a:srgbClr val="1B4367"/>
+                </a:solidFill>
+                <a:sym typeface="+mn-lt"/>
+              </a:rPr>
+              <a:t>3</a:t>
+            </a:r>
+            <a:endParaRPr lang="zh-CN" altLang="en-US" sz="1600" dirty="0">
+              <a:solidFill>
+                <a:srgbClr val="1B4367"/>
+              </a:solidFill>
+              <a:sym typeface="+mn-lt"/>
+            </a:endParaRPr>
+          </a:p>
+        </p:txBody>
+      </p:sp>
+      <p:pic>
+        <p:nvPicPr>
+          <p:cNvPr id="3" name="图片 2">
+            <a:extLst>
+              <a:ext uri="{FF2B5EF4-FFF2-40B4-BE49-F238E27FC236}">
+                <a16:creationId xmlns:a16="http://schemas.microsoft.com/office/drawing/2014/main" id="{9867C359-7641-494F-A33C-2AAE3C667B99}"/>
+              </a:ext>
+            </a:extLst>
+          </p:cNvPr>
+          <p:cNvPicPr>
+            <a:picLocks noChangeAspect="1"/>
+          </p:cNvPicPr>
+          <p:nvPr/>
+        </p:nvPicPr>
+        <p:blipFill>
+          <a:blip r:embed="rId3"/>
+          <a:stretch>
+            <a:fillRect/>
+          </a:stretch>
+        </p:blipFill>
+        <p:spPr>
+          <a:xfrm>
+            <a:off x="717836" y="796130"/>
+            <a:ext cx="7463595" cy="4225219"/>
+          </a:xfrm>
+          <a:prstGeom prst="rect">
+            <a:avLst/>
+          </a:prstGeom>
+        </p:spPr>
+      </p:pic>
+    </p:spTree>
+    <p:extLst>
+      <p:ext uri="{BB962C8B-B14F-4D97-AF65-F5344CB8AC3E}">
+        <p14:creationId xmlns:p14="http://schemas.microsoft.com/office/powerpoint/2010/main" val="1922090592"/>
+      </p:ext>
+    </p:extLst>
+  </p:cSld>
+  <p:clrMapOvr>
+    <a:masterClrMapping/>
+  </p:clrMapOvr>
+  <mc:AlternateContent xmlns:mc="http://schemas.openxmlformats.org/markup-compatibility/2006" xmlns:p14="http://schemas.microsoft.com/office/powerpoint/2010/main">
+    <mc:Choice Requires="p14">
+      <p:transition spd="slow" p14:dur="1600" advClick="0">
+        <p14:prism isInverted="1"/>
+      </p:transition>
+    </mc:Choice>
+    <mc:Fallback xmlns="">
+      <p:transition spd="slow" advClick="0">
+        <p:fade/>
+      </p:transition>
+    </mc:Fallback>
+  </mc:AlternateContent>
+  <p:timing>
+    <p:tnLst>
+      <p:par>
+        <p:cTn id="1" dur="indefinite" restart="never" nodeType="tmRoot">
+          <p:childTnLst>
+            <p:seq concurrent="1" nextAc="seek">
+              <p:cTn id="2" dur="indefinite" nodeType="mainSeq">
+                <p:childTnLst>
+                  <p:par>
+                    <p:cTn id="3" fill="hold">
+                      <p:stCondLst>
+                        <p:cond delay="indefinite"/>
+                        <p:cond evt="onBegin" delay="0">
+                          <p:tn val="2"/>
+                        </p:cond>
+                      </p:stCondLst>
+                      <p:childTnLst>
+                        <p:par>
+                          <p:cTn id="4" fill="hold">
+                            <p:stCondLst>
+                              <p:cond delay="0"/>
+                            </p:stCondLst>
+                            <p:childTnLst>
+                              <p:par>
+                                <p:cTn id="5" presetID="2" presetClass="entr" presetSubtype="4" fill="hold" grpId="0" nodeType="afterEffect" nodePh="1">
+                                  <p:stCondLst>
+                                    <p:cond delay="0"/>
+                                  </p:stCondLst>
+                                  <p:endCondLst>
+                                    <p:cond evt="begin" delay="0">
+                                      <p:tn val="5"/>
+                                    </p:cond>
+                                  </p:endCondLst>
+                                  <p:childTnLst>
+                                    <p:set>
+                                      <p:cBhvr>
+                                        <p:cTn id="6" dur="1" fill="hold">
+                                          <p:stCondLst>
+                                            <p:cond delay="0"/>
+                                          </p:stCondLst>
+                                        </p:cTn>
+                                        <p:tgtEl>
+                                          <p:spTgt spid="47"/>
+                                        </p:tgtEl>
+                                        <p:attrNameLst>
+                                          <p:attrName>style.visibility</p:attrName>
+                                        </p:attrNameLst>
+                                      </p:cBhvr>
+                                      <p:to>
+                                        <p:strVal val="visible"/>
+                                      </p:to>
+                                    </p:set>
+                                    <p:anim calcmode="lin" valueType="num">
+                                      <p:cBhvr additive="base">
+                                        <p:cTn id="7" dur="500" fill="hold"/>
+                                        <p:tgtEl>
+                                          <p:spTgt spid="47"/>
+                                        </p:tgtEl>
+                                        <p:attrNameLst>
+                                          <p:attrName>ppt_x</p:attrName>
+                                        </p:attrNameLst>
+                                      </p:cBhvr>
+                                      <p:tavLst>
+                                        <p:tav tm="0">
+                                          <p:val>
+                                            <p:strVal val="#ppt_x"/>
+                                          </p:val>
+                                        </p:tav>
+                                        <p:tav tm="100000">
+                                          <p:val>
+                                            <p:strVal val="#ppt_x"/>
+                                          </p:val>
+                                        </p:tav>
+                                      </p:tavLst>
+                                    </p:anim>
+                                    <p:anim calcmode="lin" valueType="num">
+                                      <p:cBhvr additive="base">
+                                        <p:cTn id="8" dur="500" fill="hold"/>
+                                        <p:tgtEl>
+                                          <p:spTgt spid="47"/>
+                                        </p:tgtEl>
+                                        <p:attrNameLst>
+                                          <p:attrName>ppt_y</p:attrName>
+                                        </p:attrNameLst>
+                                      </p:cBhvr>
+                                      <p:tavLst>
+                                        <p:tav tm="0">
+                                          <p:val>
+                                            <p:strVal val="1+#ppt_h/2"/>
+                                          </p:val>
+                                        </p:tav>
+                                        <p:tav tm="100000">
+                                          <p:val>
+                                            <p:strVal val="#ppt_y"/>
+                                          </p:val>
+                                        </p:tav>
+                                      </p:tavLst>
+                                    </p:anim>
+                                  </p:childTnLst>
+                                </p:cTn>
+                              </p:par>
+                            </p:childTnLst>
+                          </p:cTn>
+                        </p:par>
+                      </p:childTnLst>
+                    </p:cTn>
+                  </p:par>
+                </p:childTnLst>
+              </p:cTn>
+              <p:prevCondLst>
+                <p:cond evt="onPrev" delay="0">
+                  <p:tgtEl>
+                    <p:sldTgt/>
+                  </p:tgtEl>
+                </p:cond>
+              </p:prevCondLst>
+              <p:nextCondLst>
+                <p:cond evt="onNext" delay="0">
+                  <p:tgtEl>
+                    <p:sldTgt/>
+                  </p:tgtEl>
+                </p:cond>
+              </p:nextCondLst>
+            </p:seq>
+          </p:childTnLst>
+        </p:cTn>
+      </p:par>
+    </p:tnLst>
+    <p:bldLst>
+      <p:bldP spid="47" grpId="0"/>
+    </p:bldLst>
+  </p:timing>
+</p:sld>
+</file>
+
+<file path=ppt/slides/slide2.xml><?xml version="1.0" encoding="utf-8"?>
+<p:sld xmlns:a="http://schemas.openxmlformats.org/drawingml/2006/main" xmlns:r="http://schemas.openxmlformats.org/officeDocument/2006/relationships" xmlns:p="http://schemas.openxmlformats.org/presentationml/2006/main">
+  <p:cSld>
+    <p:spTree>
+      <p:nvGrpSpPr>
+        <p:cNvPr id="1" name=""/>
+        <p:cNvGrpSpPr/>
+        <p:nvPr/>
+      </p:nvGrpSpPr>
+      <p:grpSpPr>
+        <a:xfrm>
+          <a:off x="0" y="0"/>
+          <a:ext cx="0" cy="0"/>
+          <a:chOff x="0" y="0"/>
+          <a:chExt cx="0" cy="0"/>
+        </a:xfrm>
+      </p:grpSpPr>
+      <p:sp>
+        <p:nvSpPr>
+          <p:cNvPr id="47" name="TextBox 1210"/>
+          <p:cNvSpPr/>
+          <p:nvPr/>
+        </p:nvSpPr>
+        <p:spPr>
+          <a:xfrm>
+            <a:off x="1335165" y="1247760"/>
+            <a:ext cx="7030042" cy="345440"/>
+          </a:xfrm>
+          <a:prstGeom prst="rect">
+            <a:avLst/>
+          </a:prstGeom>
+          <a:noFill/>
+          <a:ln w="9525">
+            <a:noFill/>
+            <a:miter/>
+          </a:ln>
+          <a:extLst>
+            <a:ext uri="{909E8E84-426E-40DD-AFC4-6F175D3DCCD1}">
+              <a14:hiddenFill xmlns:a14="http://schemas.microsoft.com/office/drawing/2010/main">
+                <a:solidFill>
+                  <a:srgbClr val="5CA0B4"/>
+                </a:solidFill>
+              </a14:hiddenFill>
+            </a:ext>
+          </a:extLst>
+        </p:spPr>
+        <p:txBody>
+          <a:bodyPr wrap="square" lIns="68580" tIns="34290" rIns="68580" bIns="34290">
+            <a:spAutoFit/>
+          </a:bodyPr>
+          <a:lstStyle/>
+          <a:p>
+            <a:endParaRPr lang="zh-CN" altLang="en-US" sz="1800" dirty="0">
               <a:solidFill>
                 <a:srgbClr val="1B4367"/>
               </a:solidFill>
@@ -5448,32 +6701,24 @@
             <a:lstStyle/>
             <a:p>
               <a:r>
-                <a:rPr lang="zh-CN" altLang="en-US" sz="1700" b="1" dirty="0" smtClean="0">
+                <a:rPr lang="zh-CN" altLang="en-US" sz="1700" b="1" dirty="0">
                   <a:solidFill>
                     <a:srgbClr val="1B4367"/>
                   </a:solidFill>
                   <a:cs typeface="+mn-ea"/>
                   <a:sym typeface="+mn-lt"/>
                 </a:rPr>
-                <a:t>用例模型分析</a:t>
+                <a:t>核心功能</a:t>
               </a:r>
               <a:r>
-                <a:rPr lang="en-US" altLang="zh-CN" sz="1700" b="1" dirty="0" smtClean="0">
+                <a:rPr lang="en-US" altLang="zh-CN" sz="1700" b="1" dirty="0">
                   <a:solidFill>
                     <a:srgbClr val="1B4367"/>
                   </a:solidFill>
                   <a:cs typeface="+mn-ea"/>
                   <a:sym typeface="+mn-lt"/>
                 </a:rPr>
-                <a:t>——</a:t>
-              </a:r>
-              <a:r>
-                <a:rPr lang="zh-CN" altLang="zh-CN" sz="1800" dirty="0" smtClean="0">
-                  <a:solidFill>
-                    <a:srgbClr val="1B4367"/>
-                  </a:solidFill>
-                </a:rPr>
-                <a:t>用户</a:t>
+                <a:t>—</a:t>
               </a:r>
               <a:r>
                 <a:rPr lang="zh-CN" altLang="zh-CN" sz="1800" dirty="0">
@@ -5481,7 +6726,7 @@
                     <a:srgbClr val="1B4367"/>
                   </a:solidFill>
                 </a:rPr>
-                <a:t>提交代码</a:t>
+                <a:t>用户提交代码</a:t>
               </a:r>
               <a:endParaRPr lang="zh-CN" altLang="en-US" sz="1800" dirty="0">
                 <a:solidFill>
@@ -5491,7 +6736,7 @@
               </a:endParaRPr>
             </a:p>
             <a:p>
-              <a:endParaRPr lang="zh-CN" altLang="en-US" sz="1700" b="1" dirty="0" smtClean="0">
+              <a:endParaRPr lang="zh-CN" altLang="en-US" sz="1700" b="1" dirty="0">
                 <a:solidFill>
                   <a:srgbClr val="1B4367"/>
                 </a:solidFill>
@@ -6301,7 +7546,7 @@
           <a:p>
             <a:pPr algn="ctr"/>
             <a:r>
-              <a:rPr lang="zh-CN" altLang="en-US" sz="1200" dirty="0" smtClean="0">
+              <a:rPr lang="zh-CN" altLang="en-US" sz="1200" dirty="0">
                 <a:solidFill>
                   <a:srgbClr val="1B4367"/>
                 </a:solidFill>
@@ -6309,12 +7554,6 @@
               </a:rPr>
               <a:t>用户提交代码功能的基本事件流与备选事件流</a:t>
             </a:r>
-            <a:endParaRPr lang="zh-CN" altLang="en-US" sz="1200" dirty="0">
-              <a:solidFill>
-                <a:srgbClr val="1B4367"/>
-              </a:solidFill>
-              <a:sym typeface="+mn-lt"/>
-            </a:endParaRPr>
           </a:p>
         </p:txBody>
       </p:sp>
@@ -6475,6 +7714,646 @@
 </p:sld>
 </file>
 
+<file path=ppt/slides/slide3.xml><?xml version="1.0" encoding="utf-8"?>
+<p:sld xmlns:a="http://schemas.openxmlformats.org/drawingml/2006/main" xmlns:r="http://schemas.openxmlformats.org/officeDocument/2006/relationships" xmlns:p="http://schemas.openxmlformats.org/presentationml/2006/main">
+  <p:cSld>
+    <p:spTree>
+      <p:nvGrpSpPr>
+        <p:cNvPr id="1" name=""/>
+        <p:cNvGrpSpPr/>
+        <p:nvPr/>
+      </p:nvGrpSpPr>
+      <p:grpSpPr>
+        <a:xfrm>
+          <a:off x="0" y="0"/>
+          <a:ext cx="0" cy="0"/>
+          <a:chOff x="0" y="0"/>
+          <a:chExt cx="0" cy="0"/>
+        </a:xfrm>
+      </p:grpSpPr>
+      <p:grpSp>
+        <p:nvGrpSpPr>
+          <p:cNvPr id="5" name="组合 4"/>
+          <p:cNvGrpSpPr/>
+          <p:nvPr/>
+        </p:nvGrpSpPr>
+        <p:grpSpPr>
+          <a:xfrm>
+            <a:off x="709386" y="309785"/>
+            <a:ext cx="3573856" cy="347632"/>
+            <a:chOff x="709386" y="309785"/>
+            <a:chExt cx="2261711" cy="347632"/>
+          </a:xfrm>
+        </p:grpSpPr>
+        <p:sp>
+          <p:nvSpPr>
+            <p:cNvPr id="31" name="文本框 15"/>
+            <p:cNvSpPr txBox="1"/>
+            <p:nvPr/>
+          </p:nvSpPr>
+          <p:spPr>
+            <a:xfrm>
+              <a:off x="709386" y="309785"/>
+              <a:ext cx="2261711" cy="329565"/>
+            </a:xfrm>
+            <a:prstGeom prst="rect">
+              <a:avLst/>
+            </a:prstGeom>
+            <a:noFill/>
+          </p:spPr>
+          <p:txBody>
+            <a:bodyPr wrap="square" lIns="68580" tIns="34290" rIns="68580" bIns="34290" rtlCol="0">
+              <a:spAutoFit/>
+            </a:bodyPr>
+            <a:lstStyle/>
+            <a:p>
+              <a:r>
+                <a:rPr lang="en-US" altLang="zh-CN" sz="1700" b="1" dirty="0">
+                  <a:solidFill>
+                    <a:srgbClr val="1B4367"/>
+                  </a:solidFill>
+                  <a:cs typeface="+mn-ea"/>
+                  <a:sym typeface="+mn-lt"/>
+                </a:rPr>
+                <a:t> </a:t>
+              </a:r>
+              <a:r>
+                <a:rPr lang="zh-CN" altLang="en-US" sz="1700" b="1" dirty="0">
+                  <a:solidFill>
+                    <a:srgbClr val="1B4367"/>
+                  </a:solidFill>
+                  <a:cs typeface="+mn-ea"/>
+                  <a:sym typeface="+mn-lt"/>
+                </a:rPr>
+                <a:t>测试要点分析</a:t>
+              </a:r>
+            </a:p>
+          </p:txBody>
+        </p:sp>
+        <p:cxnSp>
+          <p:nvCxnSpPr>
+            <p:cNvPr id="20" name="直接连接符 19"/>
+            <p:cNvCxnSpPr/>
+            <p:nvPr/>
+          </p:nvCxnSpPr>
+          <p:spPr>
+            <a:xfrm>
+              <a:off x="774478" y="657417"/>
+              <a:ext cx="480259" cy="0"/>
+            </a:xfrm>
+            <a:prstGeom prst="line">
+              <a:avLst/>
+            </a:prstGeom>
+            <a:ln w="9525">
+              <a:solidFill>
+                <a:srgbClr val="1B4367"/>
+              </a:solidFill>
+            </a:ln>
+          </p:spPr>
+          <p:style>
+            <a:lnRef idx="1">
+              <a:schemeClr val="accent1"/>
+            </a:lnRef>
+            <a:fillRef idx="0">
+              <a:schemeClr val="accent1"/>
+            </a:fillRef>
+            <a:effectRef idx="0">
+              <a:schemeClr val="accent1"/>
+            </a:effectRef>
+            <a:fontRef idx="minor">
+              <a:schemeClr val="tx1"/>
+            </a:fontRef>
+          </p:style>
+        </p:cxnSp>
+      </p:grpSp>
+      <p:sp>
+        <p:nvSpPr>
+          <p:cNvPr id="2" name="TextBox 1210"/>
+          <p:cNvSpPr/>
+          <p:nvPr/>
+        </p:nvSpPr>
+        <p:spPr>
+          <a:xfrm>
+            <a:off x="1555798" y="942381"/>
+            <a:ext cx="7588202" cy="3624069"/>
+          </a:xfrm>
+          <a:prstGeom prst="rect">
+            <a:avLst/>
+          </a:prstGeom>
+          <a:noFill/>
+          <a:ln w="9525">
+            <a:noFill/>
+            <a:miter/>
+          </a:ln>
+          <a:extLst>
+            <a:ext uri="{909E8E84-426E-40DD-AFC4-6F175D3DCCD1}">
+              <a14:hiddenFill xmlns:a14="http://schemas.microsoft.com/office/drawing/2010/main">
+                <a:solidFill>
+                  <a:srgbClr val="5CA0B4"/>
+                </a:solidFill>
+              </a14:hiddenFill>
+            </a:ext>
+          </a:extLst>
+        </p:spPr>
+        <p:txBody>
+          <a:bodyPr wrap="square" lIns="68580" tIns="34290" rIns="68580" bIns="34290">
+            <a:spAutoFit/>
+          </a:bodyPr>
+          <a:lstStyle/>
+          <a:p>
+            <a:pPr fontAlgn="base">
+              <a:lnSpc>
+                <a:spcPct val="150000"/>
+              </a:lnSpc>
+              <a:spcBef>
+                <a:spcPct val="0"/>
+              </a:spcBef>
+              <a:spcAft>
+                <a:spcPct val="0"/>
+              </a:spcAft>
+            </a:pPr>
+            <a:r>
+              <a:rPr lang="zh-CN" altLang="en-US" dirty="0">
+                <a:solidFill>
+                  <a:srgbClr val="1B4367"/>
+                </a:solidFill>
+              </a:rPr>
+              <a:t>用户需求：用户对某题提交代码</a:t>
+            </a:r>
+            <a:endParaRPr lang="en-US" altLang="zh-CN" dirty="0">
+              <a:solidFill>
+                <a:srgbClr val="1B4367"/>
+              </a:solidFill>
+            </a:endParaRPr>
+          </a:p>
+          <a:p>
+            <a:pPr fontAlgn="base">
+              <a:lnSpc>
+                <a:spcPct val="150000"/>
+              </a:lnSpc>
+              <a:spcBef>
+                <a:spcPct val="0"/>
+              </a:spcBef>
+              <a:spcAft>
+                <a:spcPct val="0"/>
+              </a:spcAft>
+            </a:pPr>
+            <a:r>
+              <a:rPr lang="en-US" altLang="zh-CN" dirty="0">
+                <a:solidFill>
+                  <a:srgbClr val="1B4367"/>
+                </a:solidFill>
+              </a:rPr>
+              <a:t>	</a:t>
+            </a:r>
+          </a:p>
+          <a:p>
+            <a:pPr fontAlgn="base">
+              <a:lnSpc>
+                <a:spcPct val="150000"/>
+              </a:lnSpc>
+              <a:spcBef>
+                <a:spcPct val="0"/>
+              </a:spcBef>
+              <a:spcAft>
+                <a:spcPct val="0"/>
+              </a:spcAft>
+            </a:pPr>
+            <a:r>
+              <a:rPr lang="zh-CN" altLang="en-US" dirty="0">
+                <a:solidFill>
+                  <a:srgbClr val="1B4367"/>
+                </a:solidFill>
+              </a:rPr>
+              <a:t>测试要点：</a:t>
+            </a:r>
+            <a:endParaRPr lang="en-US" altLang="zh-CN" dirty="0">
+              <a:solidFill>
+                <a:srgbClr val="1B4367"/>
+              </a:solidFill>
+            </a:endParaRPr>
+          </a:p>
+          <a:p>
+            <a:pPr fontAlgn="base">
+              <a:lnSpc>
+                <a:spcPct val="150000"/>
+              </a:lnSpc>
+              <a:spcBef>
+                <a:spcPct val="0"/>
+              </a:spcBef>
+              <a:spcAft>
+                <a:spcPct val="0"/>
+              </a:spcAft>
+            </a:pPr>
+            <a:r>
+              <a:rPr lang="en-US" altLang="zh-CN" dirty="0">
+                <a:solidFill>
+                  <a:srgbClr val="1B4367"/>
+                </a:solidFill>
+              </a:rPr>
+              <a:t>		1</a:t>
+            </a:r>
+            <a:r>
+              <a:rPr lang="zh-CN" altLang="en-US" dirty="0">
+                <a:solidFill>
+                  <a:srgbClr val="1B4367"/>
+                </a:solidFill>
+              </a:rPr>
+              <a:t>、代码编写语言</a:t>
+            </a:r>
+            <a:endParaRPr lang="en-US" altLang="zh-CN" dirty="0">
+              <a:solidFill>
+                <a:srgbClr val="1B4367"/>
+              </a:solidFill>
+            </a:endParaRPr>
+          </a:p>
+          <a:p>
+            <a:pPr fontAlgn="base">
+              <a:lnSpc>
+                <a:spcPct val="150000"/>
+              </a:lnSpc>
+              <a:spcBef>
+                <a:spcPct val="0"/>
+              </a:spcBef>
+              <a:spcAft>
+                <a:spcPct val="0"/>
+              </a:spcAft>
+            </a:pPr>
+            <a:r>
+              <a:rPr lang="en-US" altLang="zh-CN" dirty="0">
+                <a:solidFill>
+                  <a:srgbClr val="1B4367"/>
+                </a:solidFill>
+              </a:rPr>
+              <a:t>		2</a:t>
+            </a:r>
+            <a:r>
+              <a:rPr lang="zh-CN" altLang="en-US" dirty="0">
+                <a:solidFill>
+                  <a:srgbClr val="1B4367"/>
+                </a:solidFill>
+              </a:rPr>
+              <a:t>、代码编写长度</a:t>
+            </a:r>
+            <a:endParaRPr lang="en-US" altLang="zh-CN" dirty="0">
+              <a:solidFill>
+                <a:srgbClr val="1B4367"/>
+              </a:solidFill>
+            </a:endParaRPr>
+          </a:p>
+          <a:p>
+            <a:pPr fontAlgn="base">
+              <a:lnSpc>
+                <a:spcPct val="150000"/>
+              </a:lnSpc>
+              <a:spcBef>
+                <a:spcPct val="0"/>
+              </a:spcBef>
+              <a:spcAft>
+                <a:spcPct val="0"/>
+              </a:spcAft>
+            </a:pPr>
+            <a:r>
+              <a:rPr lang="en-US" altLang="zh-CN" dirty="0">
+                <a:solidFill>
+                  <a:srgbClr val="1B4367"/>
+                </a:solidFill>
+              </a:rPr>
+              <a:t>		3</a:t>
+            </a:r>
+            <a:r>
+              <a:rPr lang="zh-CN" altLang="en-US" dirty="0">
+                <a:solidFill>
+                  <a:srgbClr val="1B4367"/>
+                </a:solidFill>
+              </a:rPr>
+              <a:t>、代码重复提交</a:t>
+            </a:r>
+            <a:endParaRPr lang="en-US" altLang="zh-CN" dirty="0">
+              <a:solidFill>
+                <a:srgbClr val="1B4367"/>
+              </a:solidFill>
+            </a:endParaRPr>
+          </a:p>
+          <a:p>
+            <a:pPr fontAlgn="base">
+              <a:lnSpc>
+                <a:spcPct val="150000"/>
+              </a:lnSpc>
+              <a:spcBef>
+                <a:spcPct val="0"/>
+              </a:spcBef>
+              <a:spcAft>
+                <a:spcPct val="0"/>
+              </a:spcAft>
+            </a:pPr>
+            <a:r>
+              <a:rPr lang="en-US" altLang="zh-CN" dirty="0">
+                <a:solidFill>
+                  <a:srgbClr val="1B4367"/>
+                </a:solidFill>
+              </a:rPr>
+              <a:t>		4</a:t>
+            </a:r>
+            <a:r>
+              <a:rPr lang="zh-CN" altLang="en-US" dirty="0">
+                <a:solidFill>
+                  <a:srgbClr val="1B4367"/>
+                </a:solidFill>
+              </a:rPr>
+              <a:t>、恶意代码提交</a:t>
+            </a:r>
+            <a:endParaRPr lang="en-US" altLang="zh-CN" dirty="0">
+              <a:solidFill>
+                <a:srgbClr val="1B4367"/>
+              </a:solidFill>
+            </a:endParaRPr>
+          </a:p>
+          <a:p>
+            <a:pPr fontAlgn="base">
+              <a:lnSpc>
+                <a:spcPct val="150000"/>
+              </a:lnSpc>
+              <a:spcBef>
+                <a:spcPct val="0"/>
+              </a:spcBef>
+              <a:spcAft>
+                <a:spcPct val="0"/>
+              </a:spcAft>
+            </a:pPr>
+            <a:r>
+              <a:rPr lang="en-US" altLang="zh-CN" dirty="0">
+                <a:solidFill>
+                  <a:srgbClr val="1B4367"/>
+                </a:solidFill>
+              </a:rPr>
+              <a:t>		5</a:t>
+            </a:r>
+            <a:r>
+              <a:rPr lang="zh-CN" altLang="en-US" dirty="0">
+                <a:solidFill>
+                  <a:srgbClr val="1B4367"/>
+                </a:solidFill>
+              </a:rPr>
+              <a:t>、代码运行权限限制</a:t>
+            </a:r>
+            <a:endParaRPr lang="en-US" altLang="zh-CN" dirty="0">
+              <a:solidFill>
+                <a:srgbClr val="1B4367"/>
+              </a:solidFill>
+            </a:endParaRPr>
+          </a:p>
+          <a:p>
+            <a:pPr fontAlgn="base">
+              <a:lnSpc>
+                <a:spcPct val="150000"/>
+              </a:lnSpc>
+              <a:spcBef>
+                <a:spcPct val="0"/>
+              </a:spcBef>
+              <a:spcAft>
+                <a:spcPct val="0"/>
+              </a:spcAft>
+            </a:pPr>
+            <a:r>
+              <a:rPr lang="en-US" altLang="zh-CN" dirty="0">
+                <a:solidFill>
+                  <a:srgbClr val="1B4367"/>
+                </a:solidFill>
+              </a:rPr>
+              <a:t>		6</a:t>
+            </a:r>
+            <a:r>
+              <a:rPr lang="zh-CN" altLang="en-US" dirty="0">
+                <a:solidFill>
+                  <a:srgbClr val="1B4367"/>
+                </a:solidFill>
+              </a:rPr>
+              <a:t>、代码运行时间限制</a:t>
+            </a:r>
+            <a:endParaRPr lang="en-US" altLang="zh-CN" dirty="0">
+              <a:solidFill>
+                <a:srgbClr val="1B4367"/>
+              </a:solidFill>
+            </a:endParaRPr>
+          </a:p>
+          <a:p>
+            <a:pPr fontAlgn="base">
+              <a:lnSpc>
+                <a:spcPct val="150000"/>
+              </a:lnSpc>
+              <a:spcBef>
+                <a:spcPct val="0"/>
+              </a:spcBef>
+              <a:spcAft>
+                <a:spcPct val="0"/>
+              </a:spcAft>
+            </a:pPr>
+            <a:r>
+              <a:rPr lang="en-US" altLang="zh-CN" dirty="0">
+                <a:solidFill>
+                  <a:srgbClr val="1B4367"/>
+                </a:solidFill>
+              </a:rPr>
+              <a:t>		7</a:t>
+            </a:r>
+            <a:r>
+              <a:rPr lang="zh-CN" altLang="en-US" dirty="0">
+                <a:solidFill>
+                  <a:srgbClr val="1B4367"/>
+                </a:solidFill>
+              </a:rPr>
+              <a:t>、代码运行空间限制</a:t>
+            </a:r>
+            <a:endParaRPr lang="en-US" altLang="zh-CN" dirty="0">
+              <a:solidFill>
+                <a:srgbClr val="1B4367"/>
+              </a:solidFill>
+            </a:endParaRPr>
+          </a:p>
+          <a:p>
+            <a:pPr fontAlgn="base">
+              <a:lnSpc>
+                <a:spcPct val="150000"/>
+              </a:lnSpc>
+              <a:spcBef>
+                <a:spcPct val="0"/>
+              </a:spcBef>
+              <a:spcAft>
+                <a:spcPct val="0"/>
+              </a:spcAft>
+            </a:pPr>
+            <a:r>
+              <a:rPr lang="en-US" altLang="zh-CN" dirty="0">
+                <a:solidFill>
+                  <a:srgbClr val="1B4367"/>
+                </a:solidFill>
+              </a:rPr>
+              <a:t>		8</a:t>
+            </a:r>
+            <a:r>
+              <a:rPr lang="zh-CN" altLang="en-US" dirty="0">
+                <a:solidFill>
+                  <a:srgbClr val="1B4367"/>
+                </a:solidFill>
+              </a:rPr>
+              <a:t>、代码提交结果反馈</a:t>
+            </a:r>
+            <a:endParaRPr lang="en-US" altLang="zh-CN" dirty="0">
+              <a:solidFill>
+                <a:srgbClr val="1B4367"/>
+              </a:solidFill>
+            </a:endParaRPr>
+          </a:p>
+        </p:txBody>
+      </p:sp>
+    </p:spTree>
+  </p:cSld>
+  <p:clrMapOvr>
+    <a:masterClrMapping/>
+  </p:clrMapOvr>
+  <mc:AlternateContent xmlns:mc="http://schemas.openxmlformats.org/markup-compatibility/2006" xmlns:p14="http://schemas.microsoft.com/office/powerpoint/2010/main">
+    <mc:Choice Requires="p14">
+      <p:transition spd="slow" p14:dur="1600" advClick="0">
+        <p14:prism isInverted="1"/>
+      </p:transition>
+    </mc:Choice>
+    <mc:Fallback xmlns="">
+      <p:transition spd="slow" advClick="0">
+        <p:fade/>
+      </p:transition>
+    </mc:Fallback>
+  </mc:AlternateContent>
+  <p:timing>
+    <p:tnLst>
+      <p:par>
+        <p:cTn id="1" dur="indefinite" restart="never" nodeType="tmRoot">
+          <p:childTnLst>
+            <p:seq concurrent="1" nextAc="seek">
+              <p:cTn id="2" dur="indefinite" nodeType="mainSeq">
+                <p:childTnLst>
+                  <p:par>
+                    <p:cTn id="3" fill="hold">
+                      <p:stCondLst>
+                        <p:cond delay="indefinite"/>
+                        <p:cond evt="onBegin" delay="0">
+                          <p:tn val="2"/>
+                        </p:cond>
+                      </p:stCondLst>
+                      <p:childTnLst>
+                        <p:par>
+                          <p:cTn id="4" fill="hold">
+                            <p:stCondLst>
+                              <p:cond delay="0"/>
+                            </p:stCondLst>
+                            <p:childTnLst>
+                              <p:par>
+                                <p:cTn id="5" presetID="2" presetClass="entr" presetSubtype="4" fill="hold" grpId="0" nodeType="afterEffect">
+                                  <p:stCondLst>
+                                    <p:cond delay="0"/>
+                                  </p:stCondLst>
+                                  <p:childTnLst>
+                                    <p:set>
+                                      <p:cBhvr>
+                                        <p:cTn id="6" dur="1" fill="hold">
+                                          <p:stCondLst>
+                                            <p:cond delay="0"/>
+                                          </p:stCondLst>
+                                        </p:cTn>
+                                        <p:tgtEl>
+                                          <p:spTgt spid="2"/>
+                                        </p:tgtEl>
+                                        <p:attrNameLst>
+                                          <p:attrName>style.visibility</p:attrName>
+                                        </p:attrNameLst>
+                                      </p:cBhvr>
+                                      <p:to>
+                                        <p:strVal val="visible"/>
+                                      </p:to>
+                                    </p:set>
+                                    <p:anim calcmode="lin" valueType="num">
+                                      <p:cBhvr additive="base">
+                                        <p:cTn id="7" dur="500" fill="hold"/>
+                                        <p:tgtEl>
+                                          <p:spTgt spid="2"/>
+                                        </p:tgtEl>
+                                        <p:attrNameLst>
+                                          <p:attrName>ppt_x</p:attrName>
+                                        </p:attrNameLst>
+                                      </p:cBhvr>
+                                      <p:tavLst>
+                                        <p:tav tm="0">
+                                          <p:val>
+                                            <p:strVal val="#ppt_x"/>
+                                          </p:val>
+                                        </p:tav>
+                                        <p:tav tm="100000">
+                                          <p:val>
+                                            <p:strVal val="#ppt_x"/>
+                                          </p:val>
+                                        </p:tav>
+                                      </p:tavLst>
+                                    </p:anim>
+                                    <p:anim calcmode="lin" valueType="num">
+                                      <p:cBhvr additive="base">
+                                        <p:cTn id="8" dur="500" fill="hold"/>
+                                        <p:tgtEl>
+                                          <p:spTgt spid="2"/>
+                                        </p:tgtEl>
+                                        <p:attrNameLst>
+                                          <p:attrName>ppt_y</p:attrName>
+                                        </p:attrNameLst>
+                                      </p:cBhvr>
+                                      <p:tavLst>
+                                        <p:tav tm="0">
+                                          <p:val>
+                                            <p:strVal val="1+#ppt_h/2"/>
+                                          </p:val>
+                                        </p:tav>
+                                        <p:tav tm="100000">
+                                          <p:val>
+                                            <p:strVal val="#ppt_y"/>
+                                          </p:val>
+                                        </p:tav>
+                                      </p:tavLst>
+                                    </p:anim>
+                                  </p:childTnLst>
+                                </p:cTn>
+                              </p:par>
+                            </p:childTnLst>
+                          </p:cTn>
+                        </p:par>
+                      </p:childTnLst>
+                    </p:cTn>
+                  </p:par>
+                </p:childTnLst>
+              </p:cTn>
+              <p:prevCondLst>
+                <p:cond evt="onPrev" delay="0">
+                  <p:tgtEl>
+                    <p:sldTgt/>
+                  </p:tgtEl>
+                </p:cond>
+              </p:prevCondLst>
+              <p:nextCondLst>
+                <p:cond evt="onNext" delay="0">
+                  <p:tgtEl>
+                    <p:sldTgt/>
+                  </p:tgtEl>
+                </p:cond>
+              </p:nextCondLst>
+            </p:seq>
+          </p:childTnLst>
+        </p:cTn>
+      </p:par>
+    </p:tnLst>
+    <p:bldLst>
+      <p:bldP spid="2" grpId="0"/>
+    </p:bldLst>
+  </p:timing>
+</p:sld>
+</file>
+
 <file path=ppt/slides/slide4.xml><?xml version="1.0" encoding="utf-8"?>
 <p:sld xmlns:a="http://schemas.openxmlformats.org/drawingml/2006/main" xmlns:r="http://schemas.openxmlformats.org/officeDocument/2006/relationships" xmlns:p="http://schemas.openxmlformats.org/presentationml/2006/main">
   <p:cSld>
@@ -6527,7 +8406,7 @@
           </a:bodyPr>
           <a:lstStyle/>
           <a:p>
-            <a:endParaRPr lang="zh-CN" altLang="en-US" sz="1800" dirty="0" smtClean="0">
+            <a:endParaRPr lang="zh-CN" altLang="en-US" sz="1800" dirty="0">
               <a:solidFill>
                 <a:srgbClr val="1B4367"/>
               </a:solidFill>
@@ -6572,32 +8451,24 @@
             <a:lstStyle/>
             <a:p>
               <a:r>
-                <a:rPr lang="zh-CN" altLang="en-US" sz="1700" b="1" dirty="0" smtClean="0">
+                <a:rPr lang="zh-CN" altLang="en-US" sz="1700" b="1" dirty="0">
                   <a:solidFill>
                     <a:srgbClr val="1B4367"/>
                   </a:solidFill>
                   <a:cs typeface="+mn-ea"/>
                   <a:sym typeface="+mn-lt"/>
                 </a:rPr>
-                <a:t>用例模型分析</a:t>
+                <a:t>核心功能</a:t>
               </a:r>
               <a:r>
-                <a:rPr lang="en-US" altLang="zh-CN" sz="1700" b="1" dirty="0" smtClean="0">
+                <a:rPr lang="en-US" altLang="zh-CN" sz="1700" b="1" dirty="0">
                   <a:solidFill>
                     <a:srgbClr val="1B4367"/>
                   </a:solidFill>
                   <a:cs typeface="+mn-ea"/>
                   <a:sym typeface="+mn-lt"/>
                 </a:rPr>
-                <a:t>——</a:t>
-              </a:r>
-              <a:r>
-                <a:rPr lang="zh-CN" altLang="zh-CN" sz="1800" dirty="0" smtClean="0">
-                  <a:solidFill>
-                    <a:srgbClr val="1B4367"/>
-                  </a:solidFill>
-                </a:rPr>
-                <a:t>用户</a:t>
+                <a:t>—</a:t>
               </a:r>
               <a:r>
                 <a:rPr lang="zh-CN" altLang="zh-CN" sz="1800" dirty="0">
@@ -6605,7 +8476,7 @@
                     <a:srgbClr val="1B4367"/>
                   </a:solidFill>
                 </a:rPr>
-                <a:t>提交代码</a:t>
+                <a:t>用户提交代码</a:t>
               </a:r>
               <a:endParaRPr lang="zh-CN" altLang="en-US" sz="1800" dirty="0">
                 <a:solidFill>
@@ -6615,7 +8486,7 @@
               </a:endParaRPr>
             </a:p>
             <a:p>
-              <a:endParaRPr lang="zh-CN" altLang="en-US" sz="1700" b="1" dirty="0" smtClean="0">
+              <a:endParaRPr lang="zh-CN" altLang="en-US" sz="1700" b="1" dirty="0">
                 <a:solidFill>
                   <a:srgbClr val="1B4367"/>
                 </a:solidFill>
@@ -6764,7 +8635,7 @@
           <a:p>
             <a:pPr algn="ctr"/>
             <a:r>
-              <a:rPr lang="zh-CN" altLang="en-US" sz="1600" dirty="0" smtClean="0">
+              <a:rPr lang="zh-CN" altLang="en-US" sz="1600" dirty="0">
                 <a:solidFill>
                   <a:srgbClr val="1B4367"/>
                 </a:solidFill>
@@ -6772,12 +8643,6 @@
               </a:rPr>
               <a:t>用户提交代码功能的场景设计</a:t>
             </a:r>
-            <a:endParaRPr lang="zh-CN" altLang="en-US" sz="1600" dirty="0">
-              <a:solidFill>
-                <a:srgbClr val="1B4367"/>
-              </a:solidFill>
-              <a:sym typeface="+mn-lt"/>
-            </a:endParaRPr>
           </a:p>
         </p:txBody>
       </p:sp>
@@ -7419,7 +9284,7 @@
           </a:bodyPr>
           <a:lstStyle/>
           <a:p>
-            <a:endParaRPr lang="zh-CN" altLang="en-US" sz="1800" dirty="0" smtClean="0">
+            <a:endParaRPr lang="zh-CN" altLang="en-US" sz="1800" dirty="0">
               <a:solidFill>
                 <a:srgbClr val="1B4367"/>
               </a:solidFill>
@@ -7464,32 +9329,24 @@
             <a:lstStyle/>
             <a:p>
               <a:r>
-                <a:rPr lang="zh-CN" altLang="en-US" sz="1700" b="1" dirty="0" smtClean="0">
+                <a:rPr lang="zh-CN" altLang="en-US" sz="1700" b="1" dirty="0">
                   <a:solidFill>
                     <a:srgbClr val="1B4367"/>
                   </a:solidFill>
                   <a:cs typeface="+mn-ea"/>
                   <a:sym typeface="+mn-lt"/>
                 </a:rPr>
-                <a:t>用例模型分析</a:t>
+                <a:t>核心功能</a:t>
               </a:r>
               <a:r>
-                <a:rPr lang="en-US" altLang="zh-CN" sz="1700" b="1" dirty="0" smtClean="0">
+                <a:rPr lang="en-US" altLang="zh-CN" sz="1700" b="1" dirty="0">
                   <a:solidFill>
                     <a:srgbClr val="1B4367"/>
                   </a:solidFill>
                   <a:cs typeface="+mn-ea"/>
                   <a:sym typeface="+mn-lt"/>
                 </a:rPr>
-                <a:t>——</a:t>
-              </a:r>
-              <a:r>
-                <a:rPr lang="zh-CN" altLang="zh-CN" sz="1800" dirty="0" smtClean="0">
-                  <a:solidFill>
-                    <a:srgbClr val="1B4367"/>
-                  </a:solidFill>
-                </a:rPr>
-                <a:t>用户</a:t>
+                <a:t>—</a:t>
               </a:r>
               <a:r>
                 <a:rPr lang="zh-CN" altLang="zh-CN" sz="1800" dirty="0">
@@ -7497,7 +9354,7 @@
                     <a:srgbClr val="1B4367"/>
                   </a:solidFill>
                 </a:rPr>
-                <a:t>提交代码</a:t>
+                <a:t>用户提交代码</a:t>
               </a:r>
               <a:endParaRPr lang="zh-CN" altLang="en-US" sz="1800" dirty="0">
                 <a:solidFill>
@@ -7507,7 +9364,7 @@
               </a:endParaRPr>
             </a:p>
             <a:p>
-              <a:endParaRPr lang="zh-CN" altLang="en-US" sz="1700" b="1" dirty="0" smtClean="0">
+              <a:endParaRPr lang="zh-CN" altLang="en-US" sz="1700" b="1" dirty="0">
                 <a:solidFill>
                   <a:srgbClr val="1B4367"/>
                 </a:solidFill>
@@ -7656,7 +9513,7 @@
           <a:p>
             <a:pPr algn="ctr"/>
             <a:r>
-              <a:rPr lang="zh-CN" altLang="en-US" sz="1600" dirty="0" smtClean="0">
+              <a:rPr lang="zh-CN" altLang="en-US" sz="1600" dirty="0">
                 <a:solidFill>
                   <a:srgbClr val="1B4367"/>
                 </a:solidFill>
@@ -7664,12 +9521,6 @@
               </a:rPr>
               <a:t>用户提交代码功能的场景设计</a:t>
             </a:r>
-            <a:endParaRPr lang="zh-CN" altLang="en-US" sz="1600" dirty="0">
-              <a:solidFill>
-                <a:srgbClr val="1B4367"/>
-              </a:solidFill>
-              <a:sym typeface="+mn-lt"/>
-            </a:endParaRPr>
           </a:p>
         </p:txBody>
       </p:sp>
@@ -8794,7 +10645,7 @@
           </a:bodyPr>
           <a:lstStyle/>
           <a:p>
-            <a:endParaRPr lang="zh-CN" altLang="en-US" sz="1800" dirty="0" smtClean="0">
+            <a:endParaRPr lang="zh-CN" altLang="en-US" sz="1800" dirty="0">
               <a:solidFill>
                 <a:srgbClr val="1B4367"/>
               </a:solidFill>
@@ -8839,32 +10690,24 @@
             <a:lstStyle/>
             <a:p>
               <a:r>
-                <a:rPr lang="zh-CN" altLang="en-US" sz="1700" b="1" dirty="0" smtClean="0">
+                <a:rPr lang="zh-CN" altLang="en-US" sz="1700" b="1" dirty="0">
                   <a:solidFill>
                     <a:srgbClr val="1B4367"/>
                   </a:solidFill>
                   <a:cs typeface="+mn-ea"/>
                   <a:sym typeface="+mn-lt"/>
                 </a:rPr>
-                <a:t>用例模型分析</a:t>
+                <a:t>核心功能</a:t>
               </a:r>
               <a:r>
-                <a:rPr lang="en-US" altLang="zh-CN" sz="1700" b="1" dirty="0" smtClean="0">
+                <a:rPr lang="en-US" altLang="zh-CN" sz="1700" b="1" dirty="0">
                   <a:solidFill>
                     <a:srgbClr val="1B4367"/>
                   </a:solidFill>
                   <a:cs typeface="+mn-ea"/>
                   <a:sym typeface="+mn-lt"/>
                 </a:rPr>
-                <a:t>——</a:t>
-              </a:r>
-              <a:r>
-                <a:rPr lang="zh-CN" altLang="zh-CN" sz="1800" dirty="0" smtClean="0">
-                  <a:solidFill>
-                    <a:srgbClr val="1B4367"/>
-                  </a:solidFill>
-                </a:rPr>
-                <a:t>用户</a:t>
+                <a:t>—</a:t>
               </a:r>
               <a:r>
                 <a:rPr lang="zh-CN" altLang="zh-CN" sz="1800" dirty="0">
@@ -8872,7 +10715,7 @@
                     <a:srgbClr val="1B4367"/>
                   </a:solidFill>
                 </a:rPr>
-                <a:t>提交代码</a:t>
+                <a:t>用户提交代码</a:t>
               </a:r>
               <a:endParaRPr lang="zh-CN" altLang="en-US" sz="1800" dirty="0">
                 <a:solidFill>
@@ -8882,7 +10725,7 @@
               </a:endParaRPr>
             </a:p>
             <a:p>
-              <a:endParaRPr lang="zh-CN" altLang="en-US" sz="1700" b="1" dirty="0" smtClean="0">
+              <a:endParaRPr lang="zh-CN" altLang="en-US" sz="1700" b="1" dirty="0">
                 <a:solidFill>
                   <a:srgbClr val="1B4367"/>
                 </a:solidFill>
@@ -9031,7 +10874,7 @@
           <a:p>
             <a:pPr algn="ctr"/>
             <a:r>
-              <a:rPr lang="zh-CN" altLang="en-US" sz="1600" dirty="0" smtClean="0">
+              <a:rPr lang="zh-CN" altLang="en-US" sz="1600" dirty="0">
                 <a:solidFill>
                   <a:srgbClr val="1B4367"/>
                 </a:solidFill>
@@ -9039,12 +10882,6 @@
               </a:rPr>
               <a:t>用户提交代码功能的场景设计</a:t>
             </a:r>
-            <a:endParaRPr lang="zh-CN" altLang="en-US" sz="1600" dirty="0">
-              <a:solidFill>
-                <a:srgbClr val="1B4367"/>
-              </a:solidFill>
-              <a:sym typeface="+mn-lt"/>
-            </a:endParaRPr>
           </a:p>
         </p:txBody>
       </p:sp>
@@ -9393,21 +11230,9 @@
                           <a:ea typeface="等线" panose="02010600030101010101" pitchFamily="2" charset="-122"/>
                           <a:hlinkClick r:id="rId3"/>
                         </a:rPr>
-                        <a:t>提交代码</a:t>
+                        <a:t>提交代码：</a:t>
                       </a:r>
-                      <a:r>
-                        <a:rPr lang="zh-CN" sz="1100" b="0" i="0" u="sng" strike="noStrike" dirty="0" smtClean="0">
-                          <a:solidFill>
-                            <a:srgbClr val="0563C1"/>
-                          </a:solidFill>
-                          <a:effectLst/>
-                          <a:latin typeface="等线" panose="02010600030101010101" pitchFamily="2" charset="-122"/>
-                          <a:ea typeface="等线" panose="02010600030101010101" pitchFamily="2" charset="-122"/>
-                          <a:hlinkClick r:id="rId3"/>
-                        </a:rPr>
-                        <a:t>：</a:t>
-                      </a:r>
-                      <a:endParaRPr lang="en-US" altLang="zh-CN" sz="1100" b="0" i="0" u="sng" strike="noStrike" dirty="0" smtClean="0">
+                      <a:endParaRPr lang="en-US" altLang="zh-CN" sz="1100" b="0" i="0" u="sng" strike="noStrike" dirty="0">
                         <a:solidFill>
                           <a:srgbClr val="0563C1"/>
                         </a:solidFill>
@@ -9420,18 +11245,6 @@
                     <a:p>
                       <a:pPr algn="just" fontAlgn="ctr"/>
                       <a:r>
-                        <a:rPr lang="zh-CN" sz="1100" b="0" i="0" u="sng" strike="noStrike" dirty="0" smtClean="0">
-                          <a:solidFill>
-                            <a:srgbClr val="0563C1"/>
-                          </a:solidFill>
-                          <a:effectLst/>
-                          <a:latin typeface="等线" panose="02010600030101010101" pitchFamily="2" charset="-122"/>
-                          <a:ea typeface="等线" panose="02010600030101010101" pitchFamily="2" charset="-122"/>
-                          <a:hlinkClick r:id="rId3"/>
-                        </a:rPr>
-                        <a:t>https</a:t>
-                      </a:r>
-                      <a:r>
                         <a:rPr lang="zh-CN" sz="1100" b="0" i="0" u="sng" strike="noStrike" dirty="0">
                           <a:solidFill>
                             <a:srgbClr val="0563C1"/>
@@ -9441,7 +11254,7 @@
                           <a:ea typeface="等线" panose="02010600030101010101" pitchFamily="2" charset="-122"/>
                           <a:hlinkClick r:id="rId3"/>
                         </a:rPr>
-                        <a:t>://pasteme.cn/31395(289KB)</a:t>
+                        <a:t>https://pasteme.cn/31395(289KB)</a:t>
                       </a:r>
                       <a:endParaRPr lang="zh-CN" sz="1100" b="0" i="0" u="sng" strike="noStrike" dirty="0">
                         <a:solidFill>
@@ -10164,7 +11977,7 @@
           </a:bodyPr>
           <a:lstStyle/>
           <a:p>
-            <a:endParaRPr lang="zh-CN" altLang="en-US" sz="1800" dirty="0" smtClean="0">
+            <a:endParaRPr lang="zh-CN" altLang="en-US" sz="1800" dirty="0">
               <a:solidFill>
                 <a:srgbClr val="1B4367"/>
               </a:solidFill>
@@ -10209,32 +12022,24 @@
             <a:lstStyle/>
             <a:p>
               <a:r>
-                <a:rPr lang="zh-CN" altLang="en-US" sz="1700" b="1" dirty="0" smtClean="0">
+                <a:rPr lang="zh-CN" altLang="en-US" sz="1700" b="1" dirty="0">
                   <a:solidFill>
                     <a:srgbClr val="1B4367"/>
                   </a:solidFill>
                   <a:cs typeface="+mn-ea"/>
                   <a:sym typeface="+mn-lt"/>
                 </a:rPr>
-                <a:t>用例模型分析</a:t>
+                <a:t>核心功能</a:t>
               </a:r>
               <a:r>
-                <a:rPr lang="en-US" altLang="zh-CN" sz="1700" b="1" dirty="0" smtClean="0">
+                <a:rPr lang="en-US" altLang="zh-CN" sz="1700" b="1" dirty="0">
                   <a:solidFill>
                     <a:srgbClr val="1B4367"/>
                   </a:solidFill>
                   <a:cs typeface="+mn-ea"/>
                   <a:sym typeface="+mn-lt"/>
                 </a:rPr>
-                <a:t>——</a:t>
-              </a:r>
-              <a:r>
-                <a:rPr lang="zh-CN" altLang="zh-CN" sz="1800" dirty="0" smtClean="0">
-                  <a:solidFill>
-                    <a:srgbClr val="1B4367"/>
-                  </a:solidFill>
-                </a:rPr>
-                <a:t>用户</a:t>
+                <a:t>—</a:t>
               </a:r>
               <a:r>
                 <a:rPr lang="zh-CN" altLang="zh-CN" sz="1800" dirty="0">
@@ -10242,7 +12047,7 @@
                     <a:srgbClr val="1B4367"/>
                   </a:solidFill>
                 </a:rPr>
-                <a:t>提交代码</a:t>
+                <a:t>用户提交代码</a:t>
               </a:r>
               <a:endParaRPr lang="zh-CN" altLang="en-US" sz="1800" dirty="0">
                 <a:solidFill>
@@ -10252,7 +12057,7 @@
               </a:endParaRPr>
             </a:p>
             <a:p>
-              <a:endParaRPr lang="zh-CN" altLang="en-US" sz="1700" b="1" dirty="0" smtClean="0">
+              <a:endParaRPr lang="zh-CN" altLang="en-US" sz="1700" b="1" dirty="0">
                 <a:solidFill>
                   <a:srgbClr val="1B4367"/>
                 </a:solidFill>
@@ -10401,7 +12206,7 @@
           <a:p>
             <a:pPr algn="ctr"/>
             <a:r>
-              <a:rPr lang="zh-CN" altLang="en-US" sz="1600" dirty="0" smtClean="0">
+              <a:rPr lang="zh-CN" altLang="en-US" sz="1600" dirty="0">
                 <a:solidFill>
                   <a:srgbClr val="1B4367"/>
                 </a:solidFill>
@@ -10409,12 +12214,6 @@
               </a:rPr>
               <a:t>用户提交代码功能的场景设计</a:t>
             </a:r>
-            <a:endParaRPr lang="zh-CN" altLang="en-US" sz="1600" dirty="0">
-              <a:solidFill>
-                <a:srgbClr val="1B4367"/>
-              </a:solidFill>
-              <a:sym typeface="+mn-lt"/>
-            </a:endParaRPr>
           </a:p>
         </p:txBody>
       </p:sp>
@@ -11182,7 +12981,7 @@
                     <a:p>
                       <a:pPr algn="just" fontAlgn="ctr"/>
                       <a:r>
-                        <a:rPr lang="zh-CN" altLang="zh-CN" sz="1100" u="sng" strike="noStrike" dirty="0" smtClean="0">
+                        <a:rPr lang="zh-CN" altLang="zh-CN" sz="1100" u="sng" strike="noStrike" dirty="0">
                           <a:effectLst/>
                           <a:hlinkClick r:id="rId3"/>
                         </a:rPr>
@@ -11273,6 +13072,1072 @@
     <p:extLst>
       <p:ext uri="{BB962C8B-B14F-4D97-AF65-F5344CB8AC3E}">
         <p14:creationId xmlns:p14="http://schemas.microsoft.com/office/powerpoint/2010/main" val="3630045889"/>
+      </p:ext>
+    </p:extLst>
+  </p:cSld>
+  <p:clrMapOvr>
+    <a:masterClrMapping/>
+  </p:clrMapOvr>
+  <mc:AlternateContent xmlns:mc="http://schemas.openxmlformats.org/markup-compatibility/2006" xmlns:p14="http://schemas.microsoft.com/office/powerpoint/2010/main">
+    <mc:Choice Requires="p14">
+      <p:transition spd="slow" p14:dur="1600" advClick="0">
+        <p14:prism isInverted="1"/>
+      </p:transition>
+    </mc:Choice>
+    <mc:Fallback xmlns="">
+      <p:transition spd="slow" advClick="0">
+        <p:fade/>
+      </p:transition>
+    </mc:Fallback>
+  </mc:AlternateContent>
+  <p:timing>
+    <p:tnLst>
+      <p:par>
+        <p:cTn id="1" dur="indefinite" restart="never" nodeType="tmRoot">
+          <p:childTnLst>
+            <p:seq concurrent="1" nextAc="seek">
+              <p:cTn id="2" dur="indefinite" nodeType="mainSeq">
+                <p:childTnLst>
+                  <p:par>
+                    <p:cTn id="3" fill="hold">
+                      <p:stCondLst>
+                        <p:cond delay="indefinite"/>
+                        <p:cond evt="onBegin" delay="0">
+                          <p:tn val="2"/>
+                        </p:cond>
+                      </p:stCondLst>
+                      <p:childTnLst>
+                        <p:par>
+                          <p:cTn id="4" fill="hold">
+                            <p:stCondLst>
+                              <p:cond delay="0"/>
+                            </p:stCondLst>
+                            <p:childTnLst>
+                              <p:par>
+                                <p:cTn id="5" presetID="2" presetClass="entr" presetSubtype="4" fill="hold" grpId="0" nodeType="afterEffect" nodePh="1">
+                                  <p:stCondLst>
+                                    <p:cond delay="0"/>
+                                  </p:stCondLst>
+                                  <p:endCondLst>
+                                    <p:cond evt="begin" delay="0">
+                                      <p:tn val="5"/>
+                                    </p:cond>
+                                  </p:endCondLst>
+                                  <p:childTnLst>
+                                    <p:set>
+                                      <p:cBhvr>
+                                        <p:cTn id="6" dur="1" fill="hold">
+                                          <p:stCondLst>
+                                            <p:cond delay="0"/>
+                                          </p:stCondLst>
+                                        </p:cTn>
+                                        <p:tgtEl>
+                                          <p:spTgt spid="47"/>
+                                        </p:tgtEl>
+                                        <p:attrNameLst>
+                                          <p:attrName>style.visibility</p:attrName>
+                                        </p:attrNameLst>
+                                      </p:cBhvr>
+                                      <p:to>
+                                        <p:strVal val="visible"/>
+                                      </p:to>
+                                    </p:set>
+                                    <p:anim calcmode="lin" valueType="num">
+                                      <p:cBhvr additive="base">
+                                        <p:cTn id="7" dur="500" fill="hold"/>
+                                        <p:tgtEl>
+                                          <p:spTgt spid="47"/>
+                                        </p:tgtEl>
+                                        <p:attrNameLst>
+                                          <p:attrName>ppt_x</p:attrName>
+                                        </p:attrNameLst>
+                                      </p:cBhvr>
+                                      <p:tavLst>
+                                        <p:tav tm="0">
+                                          <p:val>
+                                            <p:strVal val="#ppt_x"/>
+                                          </p:val>
+                                        </p:tav>
+                                        <p:tav tm="100000">
+                                          <p:val>
+                                            <p:strVal val="#ppt_x"/>
+                                          </p:val>
+                                        </p:tav>
+                                      </p:tavLst>
+                                    </p:anim>
+                                    <p:anim calcmode="lin" valueType="num">
+                                      <p:cBhvr additive="base">
+                                        <p:cTn id="8" dur="500" fill="hold"/>
+                                        <p:tgtEl>
+                                          <p:spTgt spid="47"/>
+                                        </p:tgtEl>
+                                        <p:attrNameLst>
+                                          <p:attrName>ppt_y</p:attrName>
+                                        </p:attrNameLst>
+                                      </p:cBhvr>
+                                      <p:tavLst>
+                                        <p:tav tm="0">
+                                          <p:val>
+                                            <p:strVal val="1+#ppt_h/2"/>
+                                          </p:val>
+                                        </p:tav>
+                                        <p:tav tm="100000">
+                                          <p:val>
+                                            <p:strVal val="#ppt_y"/>
+                                          </p:val>
+                                        </p:tav>
+                                      </p:tavLst>
+                                    </p:anim>
+                                  </p:childTnLst>
+                                </p:cTn>
+                              </p:par>
+                            </p:childTnLst>
+                          </p:cTn>
+                        </p:par>
+                      </p:childTnLst>
+                    </p:cTn>
+                  </p:par>
+                </p:childTnLst>
+              </p:cTn>
+              <p:prevCondLst>
+                <p:cond evt="onPrev" delay="0">
+                  <p:tgtEl>
+                    <p:sldTgt/>
+                  </p:tgtEl>
+                </p:cond>
+              </p:prevCondLst>
+              <p:nextCondLst>
+                <p:cond evt="onNext" delay="0">
+                  <p:tgtEl>
+                    <p:sldTgt/>
+                  </p:tgtEl>
+                </p:cond>
+              </p:nextCondLst>
+            </p:seq>
+          </p:childTnLst>
+        </p:cTn>
+      </p:par>
+    </p:tnLst>
+    <p:bldLst>
+      <p:bldP spid="47" grpId="0"/>
+    </p:bldLst>
+  </p:timing>
+</p:sld>
+</file>
+
+<file path=ppt/slides/slide8.xml><?xml version="1.0" encoding="utf-8"?>
+<p:sld xmlns:a="http://schemas.openxmlformats.org/drawingml/2006/main" xmlns:r="http://schemas.openxmlformats.org/officeDocument/2006/relationships" xmlns:p="http://schemas.openxmlformats.org/presentationml/2006/main">
+  <p:cSld>
+    <p:spTree>
+      <p:nvGrpSpPr>
+        <p:cNvPr id="1" name=""/>
+        <p:cNvGrpSpPr/>
+        <p:nvPr/>
+      </p:nvGrpSpPr>
+      <p:grpSpPr>
+        <a:xfrm>
+          <a:off x="0" y="0"/>
+          <a:ext cx="0" cy="0"/>
+          <a:chOff x="0" y="0"/>
+          <a:chExt cx="0" cy="0"/>
+        </a:xfrm>
+      </p:grpSpPr>
+      <p:sp>
+        <p:nvSpPr>
+          <p:cNvPr id="47" name="TextBox 1210"/>
+          <p:cNvSpPr/>
+          <p:nvPr/>
+        </p:nvSpPr>
+        <p:spPr>
+          <a:xfrm>
+            <a:off x="1335165" y="1247760"/>
+            <a:ext cx="7030042" cy="345440"/>
+          </a:xfrm>
+          <a:prstGeom prst="rect">
+            <a:avLst/>
+          </a:prstGeom>
+          <a:noFill/>
+          <a:ln w="9525">
+            <a:noFill/>
+            <a:miter/>
+          </a:ln>
+          <a:extLst>
+            <a:ext uri="{909E8E84-426E-40DD-AFC4-6F175D3DCCD1}">
+              <a14:hiddenFill xmlns:a14="http://schemas.microsoft.com/office/drawing/2010/main">
+                <a:solidFill>
+                  <a:srgbClr val="5CA0B4"/>
+                </a:solidFill>
+              </a14:hiddenFill>
+            </a:ext>
+          </a:extLst>
+        </p:spPr>
+        <p:txBody>
+          <a:bodyPr wrap="square" lIns="68580" tIns="34290" rIns="68580" bIns="34290">
+            <a:spAutoFit/>
+          </a:bodyPr>
+          <a:lstStyle/>
+          <a:p>
+            <a:endParaRPr lang="zh-CN" altLang="en-US" sz="1800" dirty="0">
+              <a:solidFill>
+                <a:srgbClr val="1B4367"/>
+              </a:solidFill>
+            </a:endParaRPr>
+          </a:p>
+        </p:txBody>
+      </p:sp>
+      <p:grpSp>
+        <p:nvGrpSpPr>
+          <p:cNvPr id="5" name="组合 4"/>
+          <p:cNvGrpSpPr/>
+          <p:nvPr/>
+        </p:nvGrpSpPr>
+        <p:grpSpPr>
+          <a:xfrm>
+            <a:off x="665243" y="281410"/>
+            <a:ext cx="4686874" cy="607859"/>
+            <a:chOff x="681450" y="278594"/>
+            <a:chExt cx="2966083" cy="607859"/>
+          </a:xfrm>
+        </p:grpSpPr>
+        <p:sp>
+          <p:nvSpPr>
+            <p:cNvPr id="31" name="文本框 15"/>
+            <p:cNvSpPr txBox="1"/>
+            <p:nvPr/>
+          </p:nvSpPr>
+          <p:spPr>
+            <a:xfrm>
+              <a:off x="681450" y="278594"/>
+              <a:ext cx="2966083" cy="607859"/>
+            </a:xfrm>
+            <a:prstGeom prst="rect">
+              <a:avLst/>
+            </a:prstGeom>
+            <a:noFill/>
+          </p:spPr>
+          <p:txBody>
+            <a:bodyPr wrap="square" lIns="68580" tIns="34290" rIns="68580" bIns="34290" rtlCol="0">
+              <a:spAutoFit/>
+            </a:bodyPr>
+            <a:lstStyle/>
+            <a:p>
+              <a:r>
+                <a:rPr lang="zh-CN" altLang="en-US" sz="1700" b="1" dirty="0">
+                  <a:solidFill>
+                    <a:srgbClr val="1B4367"/>
+                  </a:solidFill>
+                  <a:cs typeface="+mn-ea"/>
+                  <a:sym typeface="+mn-lt"/>
+                </a:rPr>
+                <a:t>压力测试</a:t>
+              </a:r>
+              <a:endParaRPr lang="zh-CN" altLang="en-US" sz="1800" dirty="0">
+                <a:solidFill>
+                  <a:srgbClr val="1B4367"/>
+                </a:solidFill>
+                <a:sym typeface="+mn-lt"/>
+              </a:endParaRPr>
+            </a:p>
+            <a:p>
+              <a:endParaRPr lang="zh-CN" altLang="en-US" sz="1700" b="1" dirty="0">
+                <a:solidFill>
+                  <a:srgbClr val="1B4367"/>
+                </a:solidFill>
+                <a:cs typeface="+mn-ea"/>
+                <a:sym typeface="+mn-lt"/>
+              </a:endParaRPr>
+            </a:p>
+          </p:txBody>
+        </p:sp>
+        <p:cxnSp>
+          <p:nvCxnSpPr>
+            <p:cNvPr id="20" name="直接连接符 19"/>
+            <p:cNvCxnSpPr/>
+            <p:nvPr/>
+          </p:nvCxnSpPr>
+          <p:spPr>
+            <a:xfrm>
+              <a:off x="774478" y="657417"/>
+              <a:ext cx="480259" cy="0"/>
+            </a:xfrm>
+            <a:prstGeom prst="line">
+              <a:avLst/>
+            </a:prstGeom>
+            <a:ln w="9525">
+              <a:solidFill>
+                <a:srgbClr val="1B4367"/>
+              </a:solidFill>
+            </a:ln>
+          </p:spPr>
+          <p:style>
+            <a:lnRef idx="1">
+              <a:schemeClr val="accent1"/>
+            </a:lnRef>
+            <a:fillRef idx="0">
+              <a:schemeClr val="accent1"/>
+            </a:fillRef>
+            <a:effectRef idx="0">
+              <a:schemeClr val="accent1"/>
+            </a:effectRef>
+            <a:fontRef idx="minor">
+              <a:schemeClr val="tx1"/>
+            </a:fontRef>
+          </p:style>
+        </p:cxnSp>
+      </p:grpSp>
+      <p:sp>
+        <p:nvSpPr>
+          <p:cNvPr id="8" name="Rectangle 6"/>
+          <p:cNvSpPr>
+            <a:spLocks noChangeArrowheads="1"/>
+          </p:cNvSpPr>
+          <p:nvPr/>
+        </p:nvSpPr>
+        <p:spPr bwMode="auto">
+          <a:xfrm>
+            <a:off x="1721595" y="2724074"/>
+            <a:ext cx="6165105" cy="369332"/>
+          </a:xfrm>
+          <a:prstGeom prst="rect">
+            <a:avLst/>
+          </a:prstGeom>
+          <a:noFill/>
+          <a:ln>
+            <a:noFill/>
+          </a:ln>
+          <a:effectLst/>
+          <a:extLst>
+            <a:ext uri="{909E8E84-426E-40DD-AFC4-6F175D3DCCD1}">
+              <a14:hiddenFill xmlns:a14="http://schemas.microsoft.com/office/drawing/2010/main">
+                <a:solidFill>
+                  <a:schemeClr val="accent1"/>
+                </a:solidFill>
+              </a14:hiddenFill>
+            </a:ext>
+            <a:ext uri="{91240B29-F687-4F45-9708-019B960494DF}">
+              <a14:hiddenLine xmlns:a14="http://schemas.microsoft.com/office/drawing/2010/main" w="9525">
+                <a:solidFill>
+                  <a:schemeClr val="tx1"/>
+                </a:solidFill>
+                <a:miter lim="800000"/>
+                <a:headEnd/>
+                <a:tailEnd/>
+              </a14:hiddenLine>
+            </a:ext>
+            <a:ext uri="{AF507438-7753-43E0-B8FC-AC1667EBCBE1}">
+              <a14:hiddenEffects xmlns:a14="http://schemas.microsoft.com/office/drawing/2010/main">
+                <a:effectLst>
+                  <a:outerShdw dist="35921" dir="2700000" algn="ctr" rotWithShape="0">
+                    <a:schemeClr val="bg2"/>
+                  </a:outerShdw>
+                </a:effectLst>
+              </a14:hiddenEffects>
+            </a:ext>
+          </a:extLst>
+        </p:spPr>
+        <p:txBody>
+          <a:bodyPr vert="horz" wrap="square" lIns="91440" tIns="45720" rIns="91440" bIns="45720" numCol="1" anchor="ctr" anchorCtr="0" compatLnSpc="1">
+            <a:spAutoFit/>
+          </a:bodyPr>
+          <a:lstStyle/>
+          <a:p>
+            <a:pPr marR="0" lvl="0" indent="0" fontAlgn="base">
+              <a:lnSpc>
+                <a:spcPct val="100000"/>
+              </a:lnSpc>
+              <a:spcBef>
+                <a:spcPct val="0"/>
+              </a:spcBef>
+              <a:spcAft>
+                <a:spcPct val="0"/>
+              </a:spcAft>
+              <a:buClrTx/>
+              <a:buSzTx/>
+              <a:buFontTx/>
+              <a:buNone/>
+            </a:pPr>
+            <a:endParaRPr lang="zh-CN" altLang="zh-CN" sz="1800" dirty="0">
+              <a:solidFill>
+                <a:srgbClr val="1B4367"/>
+              </a:solidFill>
+            </a:endParaRPr>
+          </a:p>
+        </p:txBody>
+      </p:sp>
+      <p:sp>
+        <p:nvSpPr>
+          <p:cNvPr id="10" name="文本框 15">
+            <a:extLst>
+              <a:ext uri="{FF2B5EF4-FFF2-40B4-BE49-F238E27FC236}">
+                <a16:creationId xmlns:a16="http://schemas.microsoft.com/office/drawing/2014/main" id="{805DD81B-B68E-9C4B-B19C-8FA4CB9413F2}"/>
+              </a:ext>
+            </a:extLst>
+          </p:cNvPr>
+          <p:cNvSpPr txBox="1"/>
+          <p:nvPr/>
+        </p:nvSpPr>
+        <p:spPr>
+          <a:xfrm>
+            <a:off x="2228563" y="1563892"/>
+            <a:ext cx="4686874" cy="1300356"/>
+          </a:xfrm>
+          <a:prstGeom prst="rect">
+            <a:avLst/>
+          </a:prstGeom>
+          <a:noFill/>
+        </p:spPr>
+        <p:txBody>
+          <a:bodyPr wrap="square" lIns="68580" tIns="34290" rIns="68580" bIns="34290" rtlCol="0">
+            <a:spAutoFit/>
+          </a:bodyPr>
+          <a:lstStyle/>
+          <a:p>
+            <a:r>
+              <a:rPr lang="zh-CN" altLang="en-US" sz="1600" dirty="0">
+                <a:solidFill>
+                  <a:srgbClr val="1B4367"/>
+                </a:solidFill>
+                <a:sym typeface="+mn-lt"/>
+              </a:rPr>
+              <a:t>测试接口：</a:t>
+            </a:r>
+            <a:endParaRPr lang="en-US" altLang="zh-CN" sz="1600" dirty="0">
+              <a:solidFill>
+                <a:srgbClr val="1B4367"/>
+              </a:solidFill>
+              <a:sym typeface="+mn-lt"/>
+            </a:endParaRPr>
+          </a:p>
+          <a:p>
+            <a:r>
+              <a:rPr lang="en-US" altLang="zh-CN" sz="1600" dirty="0">
+                <a:solidFill>
+                  <a:srgbClr val="1B4367"/>
+                </a:solidFill>
+                <a:sym typeface="+mn-lt"/>
+              </a:rPr>
+              <a:t>	39.106.167.190:8081/problem/all</a:t>
+            </a:r>
+          </a:p>
+          <a:p>
+            <a:endParaRPr lang="en-US" altLang="zh-CN" sz="1600" dirty="0">
+              <a:solidFill>
+                <a:srgbClr val="1B4367"/>
+              </a:solidFill>
+              <a:sym typeface="+mn-lt"/>
+            </a:endParaRPr>
+          </a:p>
+          <a:p>
+            <a:r>
+              <a:rPr lang="zh-CN" altLang="en-US" sz="1600" dirty="0">
+                <a:solidFill>
+                  <a:srgbClr val="1B4367"/>
+                </a:solidFill>
+                <a:sym typeface="+mn-lt"/>
+              </a:rPr>
+              <a:t>服务器性能：</a:t>
+            </a:r>
+            <a:endParaRPr lang="en-US" altLang="zh-CN" sz="1600" dirty="0">
+              <a:solidFill>
+                <a:srgbClr val="1B4367"/>
+              </a:solidFill>
+              <a:sym typeface="+mn-lt"/>
+            </a:endParaRPr>
+          </a:p>
+          <a:p>
+            <a:r>
+              <a:rPr lang="en-US" altLang="zh-CN" sz="1600" dirty="0">
+                <a:solidFill>
+                  <a:srgbClr val="1B4367"/>
+                </a:solidFill>
+                <a:sym typeface="+mn-lt"/>
+              </a:rPr>
+              <a:t>	</a:t>
+            </a:r>
+            <a:r>
+              <a:rPr lang="zh-CN" altLang="en-US" sz="1600" dirty="0">
+                <a:solidFill>
+                  <a:srgbClr val="1B4367"/>
+                </a:solidFill>
+                <a:sym typeface="+mn-lt"/>
+              </a:rPr>
+              <a:t>单核、</a:t>
+            </a:r>
+            <a:r>
+              <a:rPr lang="en-US" altLang="zh-CN" sz="1600" dirty="0">
+                <a:solidFill>
+                  <a:srgbClr val="1B4367"/>
+                </a:solidFill>
+                <a:sym typeface="+mn-lt"/>
+              </a:rPr>
+              <a:t>2G</a:t>
+            </a:r>
+            <a:r>
+              <a:rPr lang="zh-CN" altLang="en-US" sz="1600" dirty="0">
+                <a:solidFill>
+                  <a:srgbClr val="1B4367"/>
+                </a:solidFill>
+                <a:sym typeface="+mn-lt"/>
+              </a:rPr>
+              <a:t>内存、</a:t>
+            </a:r>
+            <a:r>
+              <a:rPr lang="en-US" altLang="zh-CN" sz="1600" dirty="0">
+                <a:solidFill>
+                  <a:srgbClr val="1B4367"/>
+                </a:solidFill>
+                <a:sym typeface="+mn-lt"/>
+              </a:rPr>
+              <a:t>Ubuntu</a:t>
+            </a:r>
+            <a:r>
+              <a:rPr lang="zh-CN" altLang="en-US" sz="1600" dirty="0">
+                <a:solidFill>
+                  <a:srgbClr val="1B4367"/>
+                </a:solidFill>
+                <a:sym typeface="+mn-lt"/>
+              </a:rPr>
+              <a:t> </a:t>
+            </a:r>
+            <a:r>
+              <a:rPr lang="en-US" altLang="zh-CN" sz="1600" dirty="0">
+                <a:solidFill>
+                  <a:srgbClr val="1B4367"/>
+                </a:solidFill>
+                <a:sym typeface="+mn-lt"/>
+              </a:rPr>
+              <a:t>16.04</a:t>
+            </a:r>
+            <a:endParaRPr lang="zh-CN" altLang="en-US" sz="1600" dirty="0">
+              <a:solidFill>
+                <a:srgbClr val="1B4367"/>
+              </a:solidFill>
+              <a:sym typeface="+mn-lt"/>
+            </a:endParaRPr>
+          </a:p>
+        </p:txBody>
+      </p:sp>
+    </p:spTree>
+    <p:extLst>
+      <p:ext uri="{BB962C8B-B14F-4D97-AF65-F5344CB8AC3E}">
+        <p14:creationId xmlns:p14="http://schemas.microsoft.com/office/powerpoint/2010/main" val="474469702"/>
+      </p:ext>
+    </p:extLst>
+  </p:cSld>
+  <p:clrMapOvr>
+    <a:masterClrMapping/>
+  </p:clrMapOvr>
+  <mc:AlternateContent xmlns:mc="http://schemas.openxmlformats.org/markup-compatibility/2006" xmlns:p14="http://schemas.microsoft.com/office/powerpoint/2010/main">
+    <mc:Choice Requires="p14">
+      <p:transition spd="slow" p14:dur="1600" advClick="0">
+        <p14:prism isInverted="1"/>
+      </p:transition>
+    </mc:Choice>
+    <mc:Fallback xmlns="">
+      <p:transition spd="slow" advClick="0">
+        <p:fade/>
+      </p:transition>
+    </mc:Fallback>
+  </mc:AlternateContent>
+  <p:timing>
+    <p:tnLst>
+      <p:par>
+        <p:cTn id="1" dur="indefinite" restart="never" nodeType="tmRoot">
+          <p:childTnLst>
+            <p:seq concurrent="1" nextAc="seek">
+              <p:cTn id="2" dur="indefinite" nodeType="mainSeq">
+                <p:childTnLst>
+                  <p:par>
+                    <p:cTn id="3" fill="hold">
+                      <p:stCondLst>
+                        <p:cond delay="indefinite"/>
+                        <p:cond evt="onBegin" delay="0">
+                          <p:tn val="2"/>
+                        </p:cond>
+                      </p:stCondLst>
+                      <p:childTnLst>
+                        <p:par>
+                          <p:cTn id="4" fill="hold">
+                            <p:stCondLst>
+                              <p:cond delay="0"/>
+                            </p:stCondLst>
+                            <p:childTnLst>
+                              <p:par>
+                                <p:cTn id="5" presetID="2" presetClass="entr" presetSubtype="4" fill="hold" grpId="0" nodeType="afterEffect" nodePh="1">
+                                  <p:stCondLst>
+                                    <p:cond delay="0"/>
+                                  </p:stCondLst>
+                                  <p:endCondLst>
+                                    <p:cond evt="begin" delay="0">
+                                      <p:tn val="5"/>
+                                    </p:cond>
+                                  </p:endCondLst>
+                                  <p:childTnLst>
+                                    <p:set>
+                                      <p:cBhvr>
+                                        <p:cTn id="6" dur="1" fill="hold">
+                                          <p:stCondLst>
+                                            <p:cond delay="0"/>
+                                          </p:stCondLst>
+                                        </p:cTn>
+                                        <p:tgtEl>
+                                          <p:spTgt spid="47"/>
+                                        </p:tgtEl>
+                                        <p:attrNameLst>
+                                          <p:attrName>style.visibility</p:attrName>
+                                        </p:attrNameLst>
+                                      </p:cBhvr>
+                                      <p:to>
+                                        <p:strVal val="visible"/>
+                                      </p:to>
+                                    </p:set>
+                                    <p:anim calcmode="lin" valueType="num">
+                                      <p:cBhvr additive="base">
+                                        <p:cTn id="7" dur="500" fill="hold"/>
+                                        <p:tgtEl>
+                                          <p:spTgt spid="47"/>
+                                        </p:tgtEl>
+                                        <p:attrNameLst>
+                                          <p:attrName>ppt_x</p:attrName>
+                                        </p:attrNameLst>
+                                      </p:cBhvr>
+                                      <p:tavLst>
+                                        <p:tav tm="0">
+                                          <p:val>
+                                            <p:strVal val="#ppt_x"/>
+                                          </p:val>
+                                        </p:tav>
+                                        <p:tav tm="100000">
+                                          <p:val>
+                                            <p:strVal val="#ppt_x"/>
+                                          </p:val>
+                                        </p:tav>
+                                      </p:tavLst>
+                                    </p:anim>
+                                    <p:anim calcmode="lin" valueType="num">
+                                      <p:cBhvr additive="base">
+                                        <p:cTn id="8" dur="500" fill="hold"/>
+                                        <p:tgtEl>
+                                          <p:spTgt spid="47"/>
+                                        </p:tgtEl>
+                                        <p:attrNameLst>
+                                          <p:attrName>ppt_y</p:attrName>
+                                        </p:attrNameLst>
+                                      </p:cBhvr>
+                                      <p:tavLst>
+                                        <p:tav tm="0">
+                                          <p:val>
+                                            <p:strVal val="1+#ppt_h/2"/>
+                                          </p:val>
+                                        </p:tav>
+                                        <p:tav tm="100000">
+                                          <p:val>
+                                            <p:strVal val="#ppt_y"/>
+                                          </p:val>
+                                        </p:tav>
+                                      </p:tavLst>
+                                    </p:anim>
+                                  </p:childTnLst>
+                                </p:cTn>
+                              </p:par>
+                            </p:childTnLst>
+                          </p:cTn>
+                        </p:par>
+                      </p:childTnLst>
+                    </p:cTn>
+                  </p:par>
+                </p:childTnLst>
+              </p:cTn>
+              <p:prevCondLst>
+                <p:cond evt="onPrev" delay="0">
+                  <p:tgtEl>
+                    <p:sldTgt/>
+                  </p:tgtEl>
+                </p:cond>
+              </p:prevCondLst>
+              <p:nextCondLst>
+                <p:cond evt="onNext" delay="0">
+                  <p:tgtEl>
+                    <p:sldTgt/>
+                  </p:tgtEl>
+                </p:cond>
+              </p:nextCondLst>
+            </p:seq>
+          </p:childTnLst>
+        </p:cTn>
+      </p:par>
+    </p:tnLst>
+    <p:bldLst>
+      <p:bldP spid="47" grpId="0"/>
+    </p:bldLst>
+  </p:timing>
+</p:sld>
+</file>
+
+<file path=ppt/slides/slide9.xml><?xml version="1.0" encoding="utf-8"?>
+<p:sld xmlns:a="http://schemas.openxmlformats.org/drawingml/2006/main" xmlns:r="http://schemas.openxmlformats.org/officeDocument/2006/relationships" xmlns:p="http://schemas.openxmlformats.org/presentationml/2006/main">
+  <p:cSld>
+    <p:spTree>
+      <p:nvGrpSpPr>
+        <p:cNvPr id="1" name=""/>
+        <p:cNvGrpSpPr/>
+        <p:nvPr/>
+      </p:nvGrpSpPr>
+      <p:grpSpPr>
+        <a:xfrm>
+          <a:off x="0" y="0"/>
+          <a:ext cx="0" cy="0"/>
+          <a:chOff x="0" y="0"/>
+          <a:chExt cx="0" cy="0"/>
+        </a:xfrm>
+      </p:grpSpPr>
+      <p:sp>
+        <p:nvSpPr>
+          <p:cNvPr id="47" name="TextBox 1210"/>
+          <p:cNvSpPr/>
+          <p:nvPr/>
+        </p:nvSpPr>
+        <p:spPr>
+          <a:xfrm>
+            <a:off x="1335165" y="1247760"/>
+            <a:ext cx="7030042" cy="345440"/>
+          </a:xfrm>
+          <a:prstGeom prst="rect">
+            <a:avLst/>
+          </a:prstGeom>
+          <a:noFill/>
+          <a:ln w="9525">
+            <a:noFill/>
+            <a:miter/>
+          </a:ln>
+          <a:extLst>
+            <a:ext uri="{909E8E84-426E-40DD-AFC4-6F175D3DCCD1}">
+              <a14:hiddenFill xmlns:a14="http://schemas.microsoft.com/office/drawing/2010/main">
+                <a:solidFill>
+                  <a:srgbClr val="5CA0B4"/>
+                </a:solidFill>
+              </a14:hiddenFill>
+            </a:ext>
+          </a:extLst>
+        </p:spPr>
+        <p:txBody>
+          <a:bodyPr wrap="square" lIns="68580" tIns="34290" rIns="68580" bIns="34290">
+            <a:spAutoFit/>
+          </a:bodyPr>
+          <a:lstStyle/>
+          <a:p>
+            <a:endParaRPr lang="zh-CN" altLang="en-US" sz="1800" dirty="0">
+              <a:solidFill>
+                <a:srgbClr val="1B4367"/>
+              </a:solidFill>
+            </a:endParaRPr>
+          </a:p>
+        </p:txBody>
+      </p:sp>
+      <p:grpSp>
+        <p:nvGrpSpPr>
+          <p:cNvPr id="5" name="组合 4"/>
+          <p:cNvGrpSpPr/>
+          <p:nvPr/>
+        </p:nvGrpSpPr>
+        <p:grpSpPr>
+          <a:xfrm>
+            <a:off x="665243" y="281410"/>
+            <a:ext cx="4686874" cy="607859"/>
+            <a:chOff x="681450" y="278594"/>
+            <a:chExt cx="2966083" cy="607859"/>
+          </a:xfrm>
+        </p:grpSpPr>
+        <p:sp>
+          <p:nvSpPr>
+            <p:cNvPr id="31" name="文本框 15"/>
+            <p:cNvSpPr txBox="1"/>
+            <p:nvPr/>
+          </p:nvSpPr>
+          <p:spPr>
+            <a:xfrm>
+              <a:off x="681450" y="278594"/>
+              <a:ext cx="2966083" cy="607859"/>
+            </a:xfrm>
+            <a:prstGeom prst="rect">
+              <a:avLst/>
+            </a:prstGeom>
+            <a:noFill/>
+          </p:spPr>
+          <p:txBody>
+            <a:bodyPr wrap="square" lIns="68580" tIns="34290" rIns="68580" bIns="34290" rtlCol="0">
+              <a:spAutoFit/>
+            </a:bodyPr>
+            <a:lstStyle/>
+            <a:p>
+              <a:r>
+                <a:rPr lang="zh-CN" altLang="en-US" sz="1700" b="1" dirty="0">
+                  <a:solidFill>
+                    <a:srgbClr val="1B4367"/>
+                  </a:solidFill>
+                  <a:cs typeface="+mn-ea"/>
+                  <a:sym typeface="+mn-lt"/>
+                </a:rPr>
+                <a:t>压力测试</a:t>
+              </a:r>
+              <a:endParaRPr lang="zh-CN" altLang="en-US" sz="1800" dirty="0">
+                <a:solidFill>
+                  <a:srgbClr val="1B4367"/>
+                </a:solidFill>
+                <a:sym typeface="+mn-lt"/>
+              </a:endParaRPr>
+            </a:p>
+            <a:p>
+              <a:endParaRPr lang="zh-CN" altLang="en-US" sz="1700" b="1" dirty="0">
+                <a:solidFill>
+                  <a:srgbClr val="1B4367"/>
+                </a:solidFill>
+                <a:cs typeface="+mn-ea"/>
+                <a:sym typeface="+mn-lt"/>
+              </a:endParaRPr>
+            </a:p>
+          </p:txBody>
+        </p:sp>
+        <p:cxnSp>
+          <p:nvCxnSpPr>
+            <p:cNvPr id="20" name="直接连接符 19"/>
+            <p:cNvCxnSpPr/>
+            <p:nvPr/>
+          </p:nvCxnSpPr>
+          <p:spPr>
+            <a:xfrm>
+              <a:off x="774478" y="657417"/>
+              <a:ext cx="480259" cy="0"/>
+            </a:xfrm>
+            <a:prstGeom prst="line">
+              <a:avLst/>
+            </a:prstGeom>
+            <a:ln w="9525">
+              <a:solidFill>
+                <a:srgbClr val="1B4367"/>
+              </a:solidFill>
+            </a:ln>
+          </p:spPr>
+          <p:style>
+            <a:lnRef idx="1">
+              <a:schemeClr val="accent1"/>
+            </a:lnRef>
+            <a:fillRef idx="0">
+              <a:schemeClr val="accent1"/>
+            </a:fillRef>
+            <a:effectRef idx="0">
+              <a:schemeClr val="accent1"/>
+            </a:effectRef>
+            <a:fontRef idx="minor">
+              <a:schemeClr val="tx1"/>
+            </a:fontRef>
+          </p:style>
+        </p:cxnSp>
+      </p:grpSp>
+      <p:sp>
+        <p:nvSpPr>
+          <p:cNvPr id="8" name="Rectangle 6"/>
+          <p:cNvSpPr>
+            <a:spLocks noChangeArrowheads="1"/>
+          </p:cNvSpPr>
+          <p:nvPr/>
+        </p:nvSpPr>
+        <p:spPr bwMode="auto">
+          <a:xfrm>
+            <a:off x="1721595" y="2724074"/>
+            <a:ext cx="6165105" cy="369332"/>
+          </a:xfrm>
+          <a:prstGeom prst="rect">
+            <a:avLst/>
+          </a:prstGeom>
+          <a:noFill/>
+          <a:ln>
+            <a:noFill/>
+          </a:ln>
+          <a:effectLst/>
+          <a:extLst>
+            <a:ext uri="{909E8E84-426E-40DD-AFC4-6F175D3DCCD1}">
+              <a14:hiddenFill xmlns:a14="http://schemas.microsoft.com/office/drawing/2010/main">
+                <a:solidFill>
+                  <a:schemeClr val="accent1"/>
+                </a:solidFill>
+              </a14:hiddenFill>
+            </a:ext>
+            <a:ext uri="{91240B29-F687-4F45-9708-019B960494DF}">
+              <a14:hiddenLine xmlns:a14="http://schemas.microsoft.com/office/drawing/2010/main" w="9525">
+                <a:solidFill>
+                  <a:schemeClr val="tx1"/>
+                </a:solidFill>
+                <a:miter lim="800000"/>
+                <a:headEnd/>
+                <a:tailEnd/>
+              </a14:hiddenLine>
+            </a:ext>
+            <a:ext uri="{AF507438-7753-43E0-B8FC-AC1667EBCBE1}">
+              <a14:hiddenEffects xmlns:a14="http://schemas.microsoft.com/office/drawing/2010/main">
+                <a:effectLst>
+                  <a:outerShdw dist="35921" dir="2700000" algn="ctr" rotWithShape="0">
+                    <a:schemeClr val="bg2"/>
+                  </a:outerShdw>
+                </a:effectLst>
+              </a14:hiddenEffects>
+            </a:ext>
+          </a:extLst>
+        </p:spPr>
+        <p:txBody>
+          <a:bodyPr vert="horz" wrap="square" lIns="91440" tIns="45720" rIns="91440" bIns="45720" numCol="1" anchor="ctr" anchorCtr="0" compatLnSpc="1">
+            <a:spAutoFit/>
+          </a:bodyPr>
+          <a:lstStyle/>
+          <a:p>
+            <a:pPr marR="0" lvl="0" indent="0" fontAlgn="base">
+              <a:lnSpc>
+                <a:spcPct val="100000"/>
+              </a:lnSpc>
+              <a:spcBef>
+                <a:spcPct val="0"/>
+              </a:spcBef>
+              <a:spcAft>
+                <a:spcPct val="0"/>
+              </a:spcAft>
+              <a:buClrTx/>
+              <a:buSzTx/>
+              <a:buFontTx/>
+              <a:buNone/>
+            </a:pPr>
+            <a:endParaRPr lang="zh-CN" altLang="zh-CN" sz="1800" dirty="0">
+              <a:solidFill>
+                <a:srgbClr val="1B4367"/>
+              </a:solidFill>
+            </a:endParaRPr>
+          </a:p>
+        </p:txBody>
+      </p:sp>
+      <p:sp>
+        <p:nvSpPr>
+          <p:cNvPr id="12" name="文本框 15">
+            <a:extLst>
+              <a:ext uri="{FF2B5EF4-FFF2-40B4-BE49-F238E27FC236}">
+                <a16:creationId xmlns:a16="http://schemas.microsoft.com/office/drawing/2014/main" id="{A1835742-8971-0340-8C6A-C56360DEA12A}"/>
+              </a:ext>
+            </a:extLst>
+          </p:cNvPr>
+          <p:cNvSpPr txBox="1"/>
+          <p:nvPr/>
+        </p:nvSpPr>
+        <p:spPr>
+          <a:xfrm>
+            <a:off x="2228563" y="427603"/>
+            <a:ext cx="4686874" cy="315471"/>
+          </a:xfrm>
+          <a:prstGeom prst="rect">
+            <a:avLst/>
+          </a:prstGeom>
+          <a:noFill/>
+        </p:spPr>
+        <p:txBody>
+          <a:bodyPr wrap="square" lIns="68580" tIns="34290" rIns="68580" bIns="34290" rtlCol="0">
+            <a:spAutoFit/>
+          </a:bodyPr>
+          <a:lstStyle/>
+          <a:p>
+            <a:r>
+              <a:rPr lang="zh-CN" altLang="en-US" sz="1600" dirty="0">
+                <a:solidFill>
+                  <a:srgbClr val="1B4367"/>
+                </a:solidFill>
+                <a:sym typeface="+mn-lt"/>
+              </a:rPr>
+              <a:t>线程数：</a:t>
+            </a:r>
+            <a:r>
+              <a:rPr lang="en-US" altLang="zh-CN" sz="1600" dirty="0">
+                <a:solidFill>
+                  <a:srgbClr val="1B4367"/>
+                </a:solidFill>
+                <a:sym typeface="+mn-lt"/>
+              </a:rPr>
+              <a:t>200</a:t>
+            </a:r>
+            <a:r>
+              <a:rPr lang="zh-CN" altLang="en-US" sz="1600" dirty="0">
+                <a:solidFill>
+                  <a:srgbClr val="1B4367"/>
+                </a:solidFill>
+                <a:sym typeface="+mn-lt"/>
+              </a:rPr>
+              <a:t>，完成时间：</a:t>
+            </a:r>
+            <a:r>
+              <a:rPr lang="en-US" altLang="zh-CN" sz="1600" dirty="0">
+                <a:solidFill>
+                  <a:srgbClr val="1B4367"/>
+                </a:solidFill>
+                <a:sym typeface="+mn-lt"/>
+              </a:rPr>
+              <a:t>20s</a:t>
+            </a:r>
+            <a:r>
+              <a:rPr lang="zh-CN" altLang="en-US" sz="1600" dirty="0">
+                <a:solidFill>
+                  <a:srgbClr val="1B4367"/>
+                </a:solidFill>
+                <a:sym typeface="+mn-lt"/>
+              </a:rPr>
+              <a:t>，循环次数：</a:t>
+            </a:r>
+            <a:r>
+              <a:rPr lang="en-US" altLang="zh-CN" sz="1600" dirty="0">
+                <a:solidFill>
+                  <a:srgbClr val="1B4367"/>
+                </a:solidFill>
+                <a:sym typeface="+mn-lt"/>
+              </a:rPr>
+              <a:t>3</a:t>
+            </a:r>
+            <a:endParaRPr lang="zh-CN" altLang="en-US" sz="1600" dirty="0">
+              <a:solidFill>
+                <a:srgbClr val="1B4367"/>
+              </a:solidFill>
+              <a:sym typeface="+mn-lt"/>
+            </a:endParaRPr>
+          </a:p>
+        </p:txBody>
+      </p:sp>
+      <p:pic>
+        <p:nvPicPr>
+          <p:cNvPr id="2" name="图片 1">
+            <a:extLst>
+              <a:ext uri="{FF2B5EF4-FFF2-40B4-BE49-F238E27FC236}">
+                <a16:creationId xmlns:a16="http://schemas.microsoft.com/office/drawing/2014/main" id="{43939BFC-7B30-C141-B9D6-8C69C8F726E0}"/>
+              </a:ext>
+            </a:extLst>
+          </p:cNvPr>
+          <p:cNvPicPr>
+            <a:picLocks noChangeAspect="1"/>
+          </p:cNvPicPr>
+          <p:nvPr/>
+        </p:nvPicPr>
+        <p:blipFill>
+          <a:blip r:embed="rId3"/>
+          <a:stretch>
+            <a:fillRect/>
+          </a:stretch>
+        </p:blipFill>
+        <p:spPr>
+          <a:xfrm>
+            <a:off x="1029444" y="885039"/>
+            <a:ext cx="7030042" cy="3956103"/>
+          </a:xfrm>
+          <a:prstGeom prst="rect">
+            <a:avLst/>
+          </a:prstGeom>
+        </p:spPr>
+      </p:pic>
+    </p:spTree>
+    <p:extLst>
+      <p:ext uri="{BB962C8B-B14F-4D97-AF65-F5344CB8AC3E}">
+        <p14:creationId xmlns:p14="http://schemas.microsoft.com/office/powerpoint/2010/main" val="3009078990"/>
       </p:ext>
     </p:extLst>
   </p:cSld>
